--- a/mid_Project.pptx
+++ b/mid_Project.pptx
@@ -5,7 +5,7 @@
     <p:sldMasterId id="2147483648" r:id="rId1"/>
   </p:sldMasterIdLst>
   <p:notesMasterIdLst>
-    <p:notesMasterId r:id="rId15"/>
+    <p:notesMasterId r:id="rId17"/>
   </p:notesMasterIdLst>
   <p:sldIdLst>
     <p:sldId id="403" r:id="rId2"/>
@@ -13,19 +13,21 @@
     <p:sldId id="406" r:id="rId4"/>
     <p:sldId id="405" r:id="rId5"/>
     <p:sldId id="414" r:id="rId6"/>
-    <p:sldId id="428" r:id="rId7"/>
-    <p:sldId id="429" r:id="rId8"/>
-    <p:sldId id="425" r:id="rId9"/>
-    <p:sldId id="426" r:id="rId10"/>
-    <p:sldId id="419" r:id="rId11"/>
-    <p:sldId id="427" r:id="rId12"/>
-    <p:sldId id="421" r:id="rId13"/>
-    <p:sldId id="424" r:id="rId14"/>
+    <p:sldId id="430" r:id="rId7"/>
+    <p:sldId id="428" r:id="rId8"/>
+    <p:sldId id="429" r:id="rId9"/>
+    <p:sldId id="431" r:id="rId10"/>
+    <p:sldId id="425" r:id="rId11"/>
+    <p:sldId id="426" r:id="rId12"/>
+    <p:sldId id="419" r:id="rId13"/>
+    <p:sldId id="427" r:id="rId14"/>
+    <p:sldId id="421" r:id="rId15"/>
+    <p:sldId id="424" r:id="rId16"/>
   </p:sldIdLst>
   <p:sldSz cx="12192000" cy="6858000"/>
   <p:notesSz cx="6858000" cy="9144000"/>
   <p:custDataLst>
-    <p:tags r:id="rId16"/>
+    <p:tags r:id="rId18"/>
   </p:custDataLst>
   <p:defaultTextStyle>
     <a:defPPr>
@@ -252,7 +254,7 @@
           <a:p>
             <a:fld id="{97E8D515-B67C-5945-AC63-D9DE9148964F}" type="datetimeFigureOut">
               <a:rPr kumimoji="1" lang="zh-CN" altLang="en-US" smtClean="0"/>
-              <a:t>2024/7/11</a:t>
+              <a:t>2024/7/12</a:t>
             </a:fld>
             <a:endParaRPr kumimoji="1" lang="zh-CN" altLang="en-US"/>
           </a:p>
@@ -1125,7 +1127,7 @@
     </p:spTree>
     <p:extLst>
       <p:ext uri="{BB962C8B-B14F-4D97-AF65-F5344CB8AC3E}">
-        <p14:creationId xmlns:p14="http://schemas.microsoft.com/office/powerpoint/2010/main" val="3663154538"/>
+        <p14:creationId xmlns:p14="http://schemas.microsoft.com/office/powerpoint/2010/main" val="2515840279"/>
       </p:ext>
     </p:extLst>
   </p:cSld>
@@ -1436,7 +1438,7 @@
     </p:spTree>
     <p:extLst>
       <p:ext uri="{BB962C8B-B14F-4D97-AF65-F5344CB8AC3E}">
-        <p14:creationId xmlns:p14="http://schemas.microsoft.com/office/powerpoint/2010/main" val="2500803835"/>
+        <p14:creationId xmlns:p14="http://schemas.microsoft.com/office/powerpoint/2010/main" val="2951437127"/>
       </p:ext>
     </p:extLst>
   </p:cSld>
@@ -1747,7 +1749,7 @@
     </p:spTree>
     <p:extLst>
       <p:ext uri="{BB962C8B-B14F-4D97-AF65-F5344CB8AC3E}">
-        <p14:creationId xmlns:p14="http://schemas.microsoft.com/office/powerpoint/2010/main" val="3636452345"/>
+        <p14:creationId xmlns:p14="http://schemas.microsoft.com/office/powerpoint/2010/main" val="3663154538"/>
       </p:ext>
     </p:extLst>
   </p:cSld>
@@ -2047,6 +2049,628 @@
                 </a:spcAft>
               </a:pPr>
               <a:t>13</a:t>
+            </a:fld>
+            <a:endParaRPr kumimoji="0" lang="zh-CN" altLang="en-US">
+              <a:latin typeface="Source Han Sans CN Regular" panose="020B0500000000000000" pitchFamily="34" charset="-128"/>
+              <a:ea typeface="Source Han Sans CN Regular" panose="020B0500000000000000" pitchFamily="34" charset="-128"/>
+            </a:endParaRPr>
+          </a:p>
+        </p:txBody>
+      </p:sp>
+    </p:spTree>
+    <p:extLst>
+      <p:ext uri="{BB962C8B-B14F-4D97-AF65-F5344CB8AC3E}">
+        <p14:creationId xmlns:p14="http://schemas.microsoft.com/office/powerpoint/2010/main" val="2500803835"/>
+      </p:ext>
+    </p:extLst>
+  </p:cSld>
+  <p:clrMapOvr>
+    <a:masterClrMapping/>
+  </p:clrMapOvr>
+</p:notes>
+</file>
+
+<file path=ppt/notesSlides/notesSlide14.xml><?xml version="1.0" encoding="utf-8"?>
+<p:notes xmlns:a="http://schemas.openxmlformats.org/drawingml/2006/main" xmlns:r="http://schemas.openxmlformats.org/officeDocument/2006/relationships" xmlns:p="http://schemas.openxmlformats.org/presentationml/2006/main">
+  <p:cSld>
+    <p:spTree>
+      <p:nvGrpSpPr>
+        <p:cNvPr id="1" name=""/>
+        <p:cNvGrpSpPr/>
+        <p:nvPr/>
+      </p:nvGrpSpPr>
+      <p:grpSpPr>
+        <a:xfrm>
+          <a:off x="0" y="0"/>
+          <a:ext cx="0" cy="0"/>
+          <a:chOff x="0" y="0"/>
+          <a:chExt cx="0" cy="0"/>
+        </a:xfrm>
+      </p:grpSpPr>
+      <p:sp>
+        <p:nvSpPr>
+          <p:cNvPr id="45057" name="幻灯片图像占位符 1">
+            <a:extLst>
+              <a:ext uri="{FF2B5EF4-FFF2-40B4-BE49-F238E27FC236}">
+                <a16:creationId xmlns:a16="http://schemas.microsoft.com/office/drawing/2014/main" id="{80A33E5E-C531-9E46-9B36-AE61503D6E85}"/>
+              </a:ext>
+            </a:extLst>
+          </p:cNvPr>
+          <p:cNvSpPr>
+            <a:spLocks noGrp="1" noRot="1" noChangeAspect="1" noChangeArrowheads="1" noTextEdit="1"/>
+          </p:cNvSpPr>
+          <p:nvPr>
+            <p:ph type="sldImg"/>
+          </p:nvPr>
+        </p:nvSpPr>
+        <p:spPr bwMode="auto">
+          <a:noFill/>
+          <a:ln>
+            <a:solidFill>
+              <a:srgbClr val="000000"/>
+            </a:solidFill>
+            <a:miter lim="800000"/>
+          </a:ln>
+          <a:extLst>
+            <a:ext uri="{909E8E84-426E-40DD-AFC4-6F175D3DCCD1}">
+              <a14:hiddenFill xmlns:a14="http://schemas.microsoft.com/office/drawing/2010/main">
+                <a:solidFill>
+                  <a:srgbClr val="FFFFFF"/>
+                </a:solidFill>
+              </a14:hiddenFill>
+            </a:ext>
+          </a:extLst>
+        </p:spPr>
+      </p:sp>
+      <p:sp>
+        <p:nvSpPr>
+          <p:cNvPr id="45058" name="备注占位符 2">
+            <a:extLst>
+              <a:ext uri="{FF2B5EF4-FFF2-40B4-BE49-F238E27FC236}">
+                <a16:creationId xmlns:a16="http://schemas.microsoft.com/office/drawing/2014/main" id="{E2CB3F39-4A08-034F-AF2B-A00BFB8EA80B}"/>
+              </a:ext>
+            </a:extLst>
+          </p:cNvPr>
+          <p:cNvSpPr>
+            <a:spLocks noGrp="1" noChangeArrowheads="1"/>
+          </p:cNvSpPr>
+          <p:nvPr>
+            <p:ph type="body" idx="1"/>
+          </p:nvPr>
+        </p:nvSpPr>
+        <p:spPr bwMode="auto">
+          <a:noFill/>
+          <a:extLst>
+            <a:ext uri="{909E8E84-426E-40DD-AFC4-6F175D3DCCD1}">
+              <a14:hiddenFill xmlns:a14="http://schemas.microsoft.com/office/drawing/2010/main">
+                <a:solidFill>
+                  <a:srgbClr val="FFFFFF"/>
+                </a:solidFill>
+              </a14:hiddenFill>
+            </a:ext>
+            <a:ext uri="{91240B29-F687-4F45-9708-019B960494DF}">
+              <a14:hiddenLine xmlns:a14="http://schemas.microsoft.com/office/drawing/2010/main" w="9525">
+                <a:solidFill>
+                  <a:srgbClr val="000000"/>
+                </a:solidFill>
+                <a:miter lim="800000"/>
+                <a:headEnd/>
+                <a:tailEnd/>
+              </a14:hiddenLine>
+            </a:ext>
+          </a:extLst>
+        </p:spPr>
+        <p:txBody>
+          <a:bodyPr wrap="square" numCol="1" anchor="t" anchorCtr="0" compatLnSpc="1">
+            <a:prstTxWarp prst="textNoShape">
+              <a:avLst/>
+            </a:prstTxWarp>
+          </a:bodyPr>
+          <a:lstStyle/>
+          <a:p>
+            <a:pPr eaLnBrk="1" hangingPunct="1">
+              <a:spcBef>
+                <a:spcPct val="0"/>
+              </a:spcBef>
+            </a:pPr>
+            <a:endParaRPr lang="zh-CN" altLang="en-US"/>
+          </a:p>
+        </p:txBody>
+      </p:sp>
+      <p:sp>
+        <p:nvSpPr>
+          <p:cNvPr id="45059" name="灯片编号占位符 3">
+            <a:extLst>
+              <a:ext uri="{FF2B5EF4-FFF2-40B4-BE49-F238E27FC236}">
+                <a16:creationId xmlns:a16="http://schemas.microsoft.com/office/drawing/2014/main" id="{E239641F-A332-D444-8A3C-2D4E789BF46A}"/>
+              </a:ext>
+            </a:extLst>
+          </p:cNvPr>
+          <p:cNvSpPr>
+            <a:spLocks noGrp="1" noChangeArrowheads="1"/>
+          </p:cNvSpPr>
+          <p:nvPr>
+            <p:ph type="sldNum" sz="quarter" idx="5"/>
+          </p:nvPr>
+        </p:nvSpPr>
+        <p:spPr bwMode="auto">
+          <a:noFill/>
+          <a:extLst>
+            <a:ext uri="{909E8E84-426E-40DD-AFC4-6F175D3DCCD1}">
+              <a14:hiddenFill xmlns:a14="http://schemas.microsoft.com/office/drawing/2010/main">
+                <a:solidFill>
+                  <a:srgbClr val="FFFFFF"/>
+                </a:solidFill>
+              </a14:hiddenFill>
+            </a:ext>
+            <a:ext uri="{91240B29-F687-4F45-9708-019B960494DF}">
+              <a14:hiddenLine xmlns:a14="http://schemas.microsoft.com/office/drawing/2010/main" w="9525">
+                <a:solidFill>
+                  <a:srgbClr val="000000"/>
+                </a:solidFill>
+                <a:miter lim="800000"/>
+                <a:headEnd/>
+                <a:tailEnd/>
+              </a14:hiddenLine>
+            </a:ext>
+          </a:extLst>
+        </p:spPr>
+        <p:txBody>
+          <a:bodyPr wrap="square" numCol="1" anchorCtr="0" compatLnSpc="1">
+            <a:prstTxWarp prst="textNoShape">
+              <a:avLst/>
+            </a:prstTxWarp>
+          </a:bodyPr>
+          <a:lstStyle>
+            <a:lvl1pPr>
+              <a:defRPr>
+                <a:solidFill>
+                  <a:schemeClr val="tx1"/>
+                </a:solidFill>
+                <a:latin typeface="Arial" panose="020B0604020202020204" pitchFamily="34" charset="0"/>
+                <a:ea typeface="思源黑体 CN Regular" panose="020B0500000000000000" pitchFamily="34" charset="-122"/>
+                <a:cs typeface="思源黑体 CN Regular" panose="020B0500000000000000" pitchFamily="34" charset="-128"/>
+              </a:defRPr>
+            </a:lvl1pPr>
+            <a:lvl2pPr marL="742950" indent="-285750">
+              <a:defRPr>
+                <a:solidFill>
+                  <a:schemeClr val="tx1"/>
+                </a:solidFill>
+                <a:latin typeface="Arial" panose="020B0604020202020204" pitchFamily="34" charset="0"/>
+                <a:ea typeface="思源黑体 CN Regular" panose="020B0500000000000000" pitchFamily="34" charset="-122"/>
+                <a:cs typeface="思源黑体 CN Regular" panose="020B0500000000000000" pitchFamily="34" charset="-128"/>
+              </a:defRPr>
+            </a:lvl2pPr>
+            <a:lvl3pPr marL="1143000" indent="-228600">
+              <a:defRPr>
+                <a:solidFill>
+                  <a:schemeClr val="tx1"/>
+                </a:solidFill>
+                <a:latin typeface="Arial" panose="020B0604020202020204" pitchFamily="34" charset="0"/>
+                <a:ea typeface="思源黑体 CN Regular" panose="020B0500000000000000" pitchFamily="34" charset="-122"/>
+                <a:cs typeface="思源黑体 CN Regular" panose="020B0500000000000000" pitchFamily="34" charset="-128"/>
+              </a:defRPr>
+            </a:lvl3pPr>
+            <a:lvl4pPr marL="1600200" indent="-228600">
+              <a:defRPr>
+                <a:solidFill>
+                  <a:schemeClr val="tx1"/>
+                </a:solidFill>
+                <a:latin typeface="Arial" panose="020B0604020202020204" pitchFamily="34" charset="0"/>
+                <a:ea typeface="思源黑体 CN Regular" panose="020B0500000000000000" pitchFamily="34" charset="-122"/>
+                <a:cs typeface="思源黑体 CN Regular" panose="020B0500000000000000" pitchFamily="34" charset="-128"/>
+              </a:defRPr>
+            </a:lvl4pPr>
+            <a:lvl5pPr marL="2057400" indent="-228600">
+              <a:defRPr>
+                <a:solidFill>
+                  <a:schemeClr val="tx1"/>
+                </a:solidFill>
+                <a:latin typeface="Arial" panose="020B0604020202020204" pitchFamily="34" charset="0"/>
+                <a:ea typeface="思源黑体 CN Regular" panose="020B0500000000000000" pitchFamily="34" charset="-122"/>
+                <a:cs typeface="思源黑体 CN Regular" panose="020B0500000000000000" pitchFamily="34" charset="-128"/>
+              </a:defRPr>
+            </a:lvl5pPr>
+            <a:lvl6pPr marL="2514600" indent="-228600" eaLnBrk="0" fontAlgn="base" hangingPunct="0">
+              <a:spcBef>
+                <a:spcPct val="0"/>
+              </a:spcBef>
+              <a:spcAft>
+                <a:spcPct val="0"/>
+              </a:spcAft>
+              <a:defRPr>
+                <a:solidFill>
+                  <a:schemeClr val="tx1"/>
+                </a:solidFill>
+                <a:latin typeface="Arial" panose="020B0604020202020204" pitchFamily="34" charset="0"/>
+                <a:ea typeface="思源黑体 CN Regular" panose="020B0500000000000000" pitchFamily="34" charset="-122"/>
+                <a:cs typeface="思源黑体 CN Regular" panose="020B0500000000000000" pitchFamily="34" charset="-128"/>
+              </a:defRPr>
+            </a:lvl6pPr>
+            <a:lvl7pPr marL="2971800" indent="-228600" eaLnBrk="0" fontAlgn="base" hangingPunct="0">
+              <a:spcBef>
+                <a:spcPct val="0"/>
+              </a:spcBef>
+              <a:spcAft>
+                <a:spcPct val="0"/>
+              </a:spcAft>
+              <a:defRPr>
+                <a:solidFill>
+                  <a:schemeClr val="tx1"/>
+                </a:solidFill>
+                <a:latin typeface="Arial" panose="020B0604020202020204" pitchFamily="34" charset="0"/>
+                <a:ea typeface="思源黑体 CN Regular" panose="020B0500000000000000" pitchFamily="34" charset="-122"/>
+                <a:cs typeface="思源黑体 CN Regular" panose="020B0500000000000000" pitchFamily="34" charset="-128"/>
+              </a:defRPr>
+            </a:lvl7pPr>
+            <a:lvl8pPr marL="3429000" indent="-228600" eaLnBrk="0" fontAlgn="base" hangingPunct="0">
+              <a:spcBef>
+                <a:spcPct val="0"/>
+              </a:spcBef>
+              <a:spcAft>
+                <a:spcPct val="0"/>
+              </a:spcAft>
+              <a:defRPr>
+                <a:solidFill>
+                  <a:schemeClr val="tx1"/>
+                </a:solidFill>
+                <a:latin typeface="Arial" panose="020B0604020202020204" pitchFamily="34" charset="0"/>
+                <a:ea typeface="思源黑体 CN Regular" panose="020B0500000000000000" pitchFamily="34" charset="-122"/>
+                <a:cs typeface="思源黑体 CN Regular" panose="020B0500000000000000" pitchFamily="34" charset="-128"/>
+              </a:defRPr>
+            </a:lvl8pPr>
+            <a:lvl9pPr marL="3886200" indent="-228600" eaLnBrk="0" fontAlgn="base" hangingPunct="0">
+              <a:spcBef>
+                <a:spcPct val="0"/>
+              </a:spcBef>
+              <a:spcAft>
+                <a:spcPct val="0"/>
+              </a:spcAft>
+              <a:defRPr>
+                <a:solidFill>
+                  <a:schemeClr val="tx1"/>
+                </a:solidFill>
+                <a:latin typeface="Arial" panose="020B0604020202020204" pitchFamily="34" charset="0"/>
+                <a:ea typeface="思源黑体 CN Regular" panose="020B0500000000000000" pitchFamily="34" charset="-122"/>
+                <a:cs typeface="思源黑体 CN Regular" panose="020B0500000000000000" pitchFamily="34" charset="-128"/>
+              </a:defRPr>
+            </a:lvl9pPr>
+          </a:lstStyle>
+          <a:p>
+            <a:pPr fontAlgn="base">
+              <a:spcBef>
+                <a:spcPct val="0"/>
+              </a:spcBef>
+              <a:spcAft>
+                <a:spcPct val="0"/>
+              </a:spcAft>
+            </a:pPr>
+            <a:fld id="{BA4B2F1C-2D6D-4740-91E8-7B59923F62F3}" type="slidenum">
+              <a:rPr kumimoji="0" lang="zh-CN" altLang="en-US" smtClean="0">
+                <a:latin typeface="Source Han Sans CN Regular" panose="020B0500000000000000" pitchFamily="34" charset="-128"/>
+                <a:ea typeface="Source Han Sans CN Regular" panose="020B0500000000000000" pitchFamily="34" charset="-128"/>
+              </a:rPr>
+              <a:pPr fontAlgn="base">
+                <a:spcBef>
+                  <a:spcPct val="0"/>
+                </a:spcBef>
+                <a:spcAft>
+                  <a:spcPct val="0"/>
+                </a:spcAft>
+              </a:pPr>
+              <a:t>14</a:t>
+            </a:fld>
+            <a:endParaRPr kumimoji="0" lang="zh-CN" altLang="en-US">
+              <a:latin typeface="Source Han Sans CN Regular" panose="020B0500000000000000" pitchFamily="34" charset="-128"/>
+              <a:ea typeface="Source Han Sans CN Regular" panose="020B0500000000000000" pitchFamily="34" charset="-128"/>
+            </a:endParaRPr>
+          </a:p>
+        </p:txBody>
+      </p:sp>
+    </p:spTree>
+    <p:extLst>
+      <p:ext uri="{BB962C8B-B14F-4D97-AF65-F5344CB8AC3E}">
+        <p14:creationId xmlns:p14="http://schemas.microsoft.com/office/powerpoint/2010/main" val="3636452345"/>
+      </p:ext>
+    </p:extLst>
+  </p:cSld>
+  <p:clrMapOvr>
+    <a:masterClrMapping/>
+  </p:clrMapOvr>
+</p:notes>
+</file>
+
+<file path=ppt/notesSlides/notesSlide15.xml><?xml version="1.0" encoding="utf-8"?>
+<p:notes xmlns:a="http://schemas.openxmlformats.org/drawingml/2006/main" xmlns:r="http://schemas.openxmlformats.org/officeDocument/2006/relationships" xmlns:p="http://schemas.openxmlformats.org/presentationml/2006/main">
+  <p:cSld>
+    <p:spTree>
+      <p:nvGrpSpPr>
+        <p:cNvPr id="1" name=""/>
+        <p:cNvGrpSpPr/>
+        <p:nvPr/>
+      </p:nvGrpSpPr>
+      <p:grpSpPr>
+        <a:xfrm>
+          <a:off x="0" y="0"/>
+          <a:ext cx="0" cy="0"/>
+          <a:chOff x="0" y="0"/>
+          <a:chExt cx="0" cy="0"/>
+        </a:xfrm>
+      </p:grpSpPr>
+      <p:sp>
+        <p:nvSpPr>
+          <p:cNvPr id="45057" name="幻灯片图像占位符 1">
+            <a:extLst>
+              <a:ext uri="{FF2B5EF4-FFF2-40B4-BE49-F238E27FC236}">
+                <a16:creationId xmlns:a16="http://schemas.microsoft.com/office/drawing/2014/main" id="{80A33E5E-C531-9E46-9B36-AE61503D6E85}"/>
+              </a:ext>
+            </a:extLst>
+          </p:cNvPr>
+          <p:cNvSpPr>
+            <a:spLocks noGrp="1" noRot="1" noChangeAspect="1" noChangeArrowheads="1" noTextEdit="1"/>
+          </p:cNvSpPr>
+          <p:nvPr>
+            <p:ph type="sldImg"/>
+          </p:nvPr>
+        </p:nvSpPr>
+        <p:spPr bwMode="auto">
+          <a:noFill/>
+          <a:ln>
+            <a:solidFill>
+              <a:srgbClr val="000000"/>
+            </a:solidFill>
+            <a:miter lim="800000"/>
+          </a:ln>
+          <a:extLst>
+            <a:ext uri="{909E8E84-426E-40DD-AFC4-6F175D3DCCD1}">
+              <a14:hiddenFill xmlns:a14="http://schemas.microsoft.com/office/drawing/2010/main">
+                <a:solidFill>
+                  <a:srgbClr val="FFFFFF"/>
+                </a:solidFill>
+              </a14:hiddenFill>
+            </a:ext>
+          </a:extLst>
+        </p:spPr>
+      </p:sp>
+      <p:sp>
+        <p:nvSpPr>
+          <p:cNvPr id="45058" name="备注占位符 2">
+            <a:extLst>
+              <a:ext uri="{FF2B5EF4-FFF2-40B4-BE49-F238E27FC236}">
+                <a16:creationId xmlns:a16="http://schemas.microsoft.com/office/drawing/2014/main" id="{E2CB3F39-4A08-034F-AF2B-A00BFB8EA80B}"/>
+              </a:ext>
+            </a:extLst>
+          </p:cNvPr>
+          <p:cNvSpPr>
+            <a:spLocks noGrp="1" noChangeArrowheads="1"/>
+          </p:cNvSpPr>
+          <p:nvPr>
+            <p:ph type="body" idx="1"/>
+          </p:nvPr>
+        </p:nvSpPr>
+        <p:spPr bwMode="auto">
+          <a:noFill/>
+          <a:extLst>
+            <a:ext uri="{909E8E84-426E-40DD-AFC4-6F175D3DCCD1}">
+              <a14:hiddenFill xmlns:a14="http://schemas.microsoft.com/office/drawing/2010/main">
+                <a:solidFill>
+                  <a:srgbClr val="FFFFFF"/>
+                </a:solidFill>
+              </a14:hiddenFill>
+            </a:ext>
+            <a:ext uri="{91240B29-F687-4F45-9708-019B960494DF}">
+              <a14:hiddenLine xmlns:a14="http://schemas.microsoft.com/office/drawing/2010/main" w="9525">
+                <a:solidFill>
+                  <a:srgbClr val="000000"/>
+                </a:solidFill>
+                <a:miter lim="800000"/>
+                <a:headEnd/>
+                <a:tailEnd/>
+              </a14:hiddenLine>
+            </a:ext>
+          </a:extLst>
+        </p:spPr>
+        <p:txBody>
+          <a:bodyPr wrap="square" numCol="1" anchor="t" anchorCtr="0" compatLnSpc="1">
+            <a:prstTxWarp prst="textNoShape">
+              <a:avLst/>
+            </a:prstTxWarp>
+          </a:bodyPr>
+          <a:lstStyle/>
+          <a:p>
+            <a:pPr eaLnBrk="1" hangingPunct="1">
+              <a:spcBef>
+                <a:spcPct val="0"/>
+              </a:spcBef>
+            </a:pPr>
+            <a:endParaRPr lang="zh-CN" altLang="en-US"/>
+          </a:p>
+        </p:txBody>
+      </p:sp>
+      <p:sp>
+        <p:nvSpPr>
+          <p:cNvPr id="45059" name="灯片编号占位符 3">
+            <a:extLst>
+              <a:ext uri="{FF2B5EF4-FFF2-40B4-BE49-F238E27FC236}">
+                <a16:creationId xmlns:a16="http://schemas.microsoft.com/office/drawing/2014/main" id="{E239641F-A332-D444-8A3C-2D4E789BF46A}"/>
+              </a:ext>
+            </a:extLst>
+          </p:cNvPr>
+          <p:cNvSpPr>
+            <a:spLocks noGrp="1" noChangeArrowheads="1"/>
+          </p:cNvSpPr>
+          <p:nvPr>
+            <p:ph type="sldNum" sz="quarter" idx="5"/>
+          </p:nvPr>
+        </p:nvSpPr>
+        <p:spPr bwMode="auto">
+          <a:noFill/>
+          <a:extLst>
+            <a:ext uri="{909E8E84-426E-40DD-AFC4-6F175D3DCCD1}">
+              <a14:hiddenFill xmlns:a14="http://schemas.microsoft.com/office/drawing/2010/main">
+                <a:solidFill>
+                  <a:srgbClr val="FFFFFF"/>
+                </a:solidFill>
+              </a14:hiddenFill>
+            </a:ext>
+            <a:ext uri="{91240B29-F687-4F45-9708-019B960494DF}">
+              <a14:hiddenLine xmlns:a14="http://schemas.microsoft.com/office/drawing/2010/main" w="9525">
+                <a:solidFill>
+                  <a:srgbClr val="000000"/>
+                </a:solidFill>
+                <a:miter lim="800000"/>
+                <a:headEnd/>
+                <a:tailEnd/>
+              </a14:hiddenLine>
+            </a:ext>
+          </a:extLst>
+        </p:spPr>
+        <p:txBody>
+          <a:bodyPr wrap="square" numCol="1" anchorCtr="0" compatLnSpc="1">
+            <a:prstTxWarp prst="textNoShape">
+              <a:avLst/>
+            </a:prstTxWarp>
+          </a:bodyPr>
+          <a:lstStyle>
+            <a:lvl1pPr>
+              <a:defRPr>
+                <a:solidFill>
+                  <a:schemeClr val="tx1"/>
+                </a:solidFill>
+                <a:latin typeface="Arial" panose="020B0604020202020204" pitchFamily="34" charset="0"/>
+                <a:ea typeface="思源黑体 CN Regular" panose="020B0500000000000000" pitchFamily="34" charset="-122"/>
+                <a:cs typeface="思源黑体 CN Regular" panose="020B0500000000000000" pitchFamily="34" charset="-128"/>
+              </a:defRPr>
+            </a:lvl1pPr>
+            <a:lvl2pPr marL="742950" indent="-285750">
+              <a:defRPr>
+                <a:solidFill>
+                  <a:schemeClr val="tx1"/>
+                </a:solidFill>
+                <a:latin typeface="Arial" panose="020B0604020202020204" pitchFamily="34" charset="0"/>
+                <a:ea typeface="思源黑体 CN Regular" panose="020B0500000000000000" pitchFamily="34" charset="-122"/>
+                <a:cs typeface="思源黑体 CN Regular" panose="020B0500000000000000" pitchFamily="34" charset="-128"/>
+              </a:defRPr>
+            </a:lvl2pPr>
+            <a:lvl3pPr marL="1143000" indent="-228600">
+              <a:defRPr>
+                <a:solidFill>
+                  <a:schemeClr val="tx1"/>
+                </a:solidFill>
+                <a:latin typeface="Arial" panose="020B0604020202020204" pitchFamily="34" charset="0"/>
+                <a:ea typeface="思源黑体 CN Regular" panose="020B0500000000000000" pitchFamily="34" charset="-122"/>
+                <a:cs typeface="思源黑体 CN Regular" panose="020B0500000000000000" pitchFamily="34" charset="-128"/>
+              </a:defRPr>
+            </a:lvl3pPr>
+            <a:lvl4pPr marL="1600200" indent="-228600">
+              <a:defRPr>
+                <a:solidFill>
+                  <a:schemeClr val="tx1"/>
+                </a:solidFill>
+                <a:latin typeface="Arial" panose="020B0604020202020204" pitchFamily="34" charset="0"/>
+                <a:ea typeface="思源黑体 CN Regular" panose="020B0500000000000000" pitchFamily="34" charset="-122"/>
+                <a:cs typeface="思源黑体 CN Regular" panose="020B0500000000000000" pitchFamily="34" charset="-128"/>
+              </a:defRPr>
+            </a:lvl4pPr>
+            <a:lvl5pPr marL="2057400" indent="-228600">
+              <a:defRPr>
+                <a:solidFill>
+                  <a:schemeClr val="tx1"/>
+                </a:solidFill>
+                <a:latin typeface="Arial" panose="020B0604020202020204" pitchFamily="34" charset="0"/>
+                <a:ea typeface="思源黑体 CN Regular" panose="020B0500000000000000" pitchFamily="34" charset="-122"/>
+                <a:cs typeface="思源黑体 CN Regular" panose="020B0500000000000000" pitchFamily="34" charset="-128"/>
+              </a:defRPr>
+            </a:lvl5pPr>
+            <a:lvl6pPr marL="2514600" indent="-228600" eaLnBrk="0" fontAlgn="base" hangingPunct="0">
+              <a:spcBef>
+                <a:spcPct val="0"/>
+              </a:spcBef>
+              <a:spcAft>
+                <a:spcPct val="0"/>
+              </a:spcAft>
+              <a:defRPr>
+                <a:solidFill>
+                  <a:schemeClr val="tx1"/>
+                </a:solidFill>
+                <a:latin typeface="Arial" panose="020B0604020202020204" pitchFamily="34" charset="0"/>
+                <a:ea typeface="思源黑体 CN Regular" panose="020B0500000000000000" pitchFamily="34" charset="-122"/>
+                <a:cs typeface="思源黑体 CN Regular" panose="020B0500000000000000" pitchFamily="34" charset="-128"/>
+              </a:defRPr>
+            </a:lvl6pPr>
+            <a:lvl7pPr marL="2971800" indent="-228600" eaLnBrk="0" fontAlgn="base" hangingPunct="0">
+              <a:spcBef>
+                <a:spcPct val="0"/>
+              </a:spcBef>
+              <a:spcAft>
+                <a:spcPct val="0"/>
+              </a:spcAft>
+              <a:defRPr>
+                <a:solidFill>
+                  <a:schemeClr val="tx1"/>
+                </a:solidFill>
+                <a:latin typeface="Arial" panose="020B0604020202020204" pitchFamily="34" charset="0"/>
+                <a:ea typeface="思源黑体 CN Regular" panose="020B0500000000000000" pitchFamily="34" charset="-122"/>
+                <a:cs typeface="思源黑体 CN Regular" panose="020B0500000000000000" pitchFamily="34" charset="-128"/>
+              </a:defRPr>
+            </a:lvl7pPr>
+            <a:lvl8pPr marL="3429000" indent="-228600" eaLnBrk="0" fontAlgn="base" hangingPunct="0">
+              <a:spcBef>
+                <a:spcPct val="0"/>
+              </a:spcBef>
+              <a:spcAft>
+                <a:spcPct val="0"/>
+              </a:spcAft>
+              <a:defRPr>
+                <a:solidFill>
+                  <a:schemeClr val="tx1"/>
+                </a:solidFill>
+                <a:latin typeface="Arial" panose="020B0604020202020204" pitchFamily="34" charset="0"/>
+                <a:ea typeface="思源黑体 CN Regular" panose="020B0500000000000000" pitchFamily="34" charset="-122"/>
+                <a:cs typeface="思源黑体 CN Regular" panose="020B0500000000000000" pitchFamily="34" charset="-128"/>
+              </a:defRPr>
+            </a:lvl8pPr>
+            <a:lvl9pPr marL="3886200" indent="-228600" eaLnBrk="0" fontAlgn="base" hangingPunct="0">
+              <a:spcBef>
+                <a:spcPct val="0"/>
+              </a:spcBef>
+              <a:spcAft>
+                <a:spcPct val="0"/>
+              </a:spcAft>
+              <a:defRPr>
+                <a:solidFill>
+                  <a:schemeClr val="tx1"/>
+                </a:solidFill>
+                <a:latin typeface="Arial" panose="020B0604020202020204" pitchFamily="34" charset="0"/>
+                <a:ea typeface="思源黑体 CN Regular" panose="020B0500000000000000" pitchFamily="34" charset="-122"/>
+                <a:cs typeface="思源黑体 CN Regular" panose="020B0500000000000000" pitchFamily="34" charset="-128"/>
+              </a:defRPr>
+            </a:lvl9pPr>
+          </a:lstStyle>
+          <a:p>
+            <a:pPr fontAlgn="base">
+              <a:spcBef>
+                <a:spcPct val="0"/>
+              </a:spcBef>
+              <a:spcAft>
+                <a:spcPct val="0"/>
+              </a:spcAft>
+            </a:pPr>
+            <a:fld id="{BA4B2F1C-2D6D-4740-91E8-7B59923F62F3}" type="slidenum">
+              <a:rPr kumimoji="0" lang="zh-CN" altLang="en-US" smtClean="0">
+                <a:latin typeface="Source Han Sans CN Regular" panose="020B0500000000000000" pitchFamily="34" charset="-128"/>
+                <a:ea typeface="Source Han Sans CN Regular" panose="020B0500000000000000" pitchFamily="34" charset="-128"/>
+              </a:rPr>
+              <a:pPr fontAlgn="base">
+                <a:spcBef>
+                  <a:spcPct val="0"/>
+                </a:spcBef>
+                <a:spcAft>
+                  <a:spcPct val="0"/>
+                </a:spcAft>
+              </a:pPr>
+              <a:t>15</a:t>
             </a:fld>
             <a:endParaRPr kumimoji="0" lang="zh-CN" altLang="en-US">
               <a:latin typeface="Source Han Sans CN Regular" panose="020B0500000000000000" pitchFamily="34" charset="-128"/>
@@ -3613,7 +4237,7 @@
     </p:spTree>
     <p:extLst>
       <p:ext uri="{BB962C8B-B14F-4D97-AF65-F5344CB8AC3E}">
-        <p14:creationId xmlns:p14="http://schemas.microsoft.com/office/powerpoint/2010/main" val="1204192107"/>
+        <p14:creationId xmlns:p14="http://schemas.microsoft.com/office/powerpoint/2010/main" val="2290890644"/>
       </p:ext>
     </p:extLst>
   </p:cSld>
@@ -3924,7 +4548,7 @@
     </p:spTree>
     <p:extLst>
       <p:ext uri="{BB962C8B-B14F-4D97-AF65-F5344CB8AC3E}">
-        <p14:creationId xmlns:p14="http://schemas.microsoft.com/office/powerpoint/2010/main" val="799288099"/>
+        <p14:creationId xmlns:p14="http://schemas.microsoft.com/office/powerpoint/2010/main" val="1204192107"/>
       </p:ext>
     </p:extLst>
   </p:cSld>
@@ -4235,7 +4859,7 @@
     </p:spTree>
     <p:extLst>
       <p:ext uri="{BB962C8B-B14F-4D97-AF65-F5344CB8AC3E}">
-        <p14:creationId xmlns:p14="http://schemas.microsoft.com/office/powerpoint/2010/main" val="2515840279"/>
+        <p14:creationId xmlns:p14="http://schemas.microsoft.com/office/powerpoint/2010/main" val="799288099"/>
       </p:ext>
     </p:extLst>
   </p:cSld>
@@ -4546,7 +5170,7 @@
     </p:spTree>
     <p:extLst>
       <p:ext uri="{BB962C8B-B14F-4D97-AF65-F5344CB8AC3E}">
-        <p14:creationId xmlns:p14="http://schemas.microsoft.com/office/powerpoint/2010/main" val="2951437127"/>
+        <p14:creationId xmlns:p14="http://schemas.microsoft.com/office/powerpoint/2010/main" val="1763352606"/>
       </p:ext>
     </p:extLst>
   </p:cSld>
@@ -4623,7 +5247,7 @@
     <mc:Choice Requires="p14">
       <p:transition spd="slow" p14:dur="2000" advTm="3000"/>
     </mc:Choice>
-    <mc:Fallback xmlns="" xmlns:m="http://schemas.openxmlformats.org/officeDocument/2006/math" xmlns:w="http://schemas.openxmlformats.org/wordprocessingml/2006/main" xmlns:wp="http://schemas.openxmlformats.org/drawingml/2006/wordprocessingDrawing" xmlns:a14="http://schemas.microsoft.com/office/drawing/2010/main" xmlns:p15="http://schemas.microsoft.com/office/powerpoint/2012/main" xmlns:p159="http://schemas.microsoft.com/office/powerpoint/2015/09/main">
+    <mc:Fallback xmlns:p159="http://schemas.microsoft.com/office/powerpoint/2015/09/main" xmlns:p15="http://schemas.microsoft.com/office/powerpoint/2012/main" xmlns:a14="http://schemas.microsoft.com/office/drawing/2010/main" xmlns:wp="http://schemas.openxmlformats.org/drawingml/2006/wordprocessingDrawing" xmlns:w="http://schemas.openxmlformats.org/wordprocessingml/2006/main" xmlns:m="http://schemas.openxmlformats.org/officeDocument/2006/math" xmlns="">
       <p:transition spd="slow" advTm="3000"/>
     </mc:Fallback>
   </mc:AlternateContent>
@@ -4677,7 +5301,7 @@
     <mc:Choice Requires="p14">
       <p:transition spd="slow" p14:dur="2000" advTm="3000"/>
     </mc:Choice>
-    <mc:Fallback xmlns="" xmlns:m="http://schemas.openxmlformats.org/officeDocument/2006/math" xmlns:w="http://schemas.openxmlformats.org/wordprocessingml/2006/main" xmlns:wp="http://schemas.openxmlformats.org/drawingml/2006/wordprocessingDrawing" xmlns:a14="http://schemas.microsoft.com/office/drawing/2010/main" xmlns:p15="http://schemas.microsoft.com/office/powerpoint/2012/main" xmlns:p159="http://schemas.microsoft.com/office/powerpoint/2015/09/main">
+    <mc:Fallback xmlns:p159="http://schemas.microsoft.com/office/powerpoint/2015/09/main" xmlns:p15="http://schemas.microsoft.com/office/powerpoint/2012/main" xmlns:a14="http://schemas.microsoft.com/office/drawing/2010/main" xmlns:wp="http://schemas.openxmlformats.org/drawingml/2006/wordprocessingDrawing" xmlns:w="http://schemas.openxmlformats.org/wordprocessingml/2006/main" xmlns:m="http://schemas.openxmlformats.org/officeDocument/2006/math" xmlns="">
       <p:transition spd="slow" advTm="3000"/>
     </mc:Fallback>
   </mc:AlternateContent>
@@ -4715,7 +5339,7 @@
     <mc:Choice Requires="p14">
       <p:transition spd="slow" p14:dur="2000" advTm="3000"/>
     </mc:Choice>
-    <mc:Fallback xmlns="" xmlns:m="http://schemas.openxmlformats.org/officeDocument/2006/math" xmlns:w="http://schemas.openxmlformats.org/wordprocessingml/2006/main" xmlns:wp="http://schemas.openxmlformats.org/drawingml/2006/wordprocessingDrawing" xmlns:a14="http://schemas.microsoft.com/office/drawing/2010/main" xmlns:p15="http://schemas.microsoft.com/office/powerpoint/2012/main" xmlns:p159="http://schemas.microsoft.com/office/powerpoint/2015/09/main">
+    <mc:Fallback xmlns:p159="http://schemas.microsoft.com/office/powerpoint/2015/09/main" xmlns:p15="http://schemas.microsoft.com/office/powerpoint/2012/main" xmlns:a14="http://schemas.microsoft.com/office/drawing/2010/main" xmlns:wp="http://schemas.openxmlformats.org/drawingml/2006/wordprocessingDrawing" xmlns:w="http://schemas.openxmlformats.org/wordprocessingml/2006/main" xmlns:m="http://schemas.openxmlformats.org/officeDocument/2006/math" xmlns="">
       <p:transition spd="slow" advTm="3000"/>
     </mc:Fallback>
   </mc:AlternateContent>
@@ -4761,7 +5385,7 @@
     <mc:Choice Requires="p14">
       <p:transition spd="slow" p14:dur="2000" advTm="3000"/>
     </mc:Choice>
-    <mc:Fallback xmlns="" xmlns:m="http://schemas.openxmlformats.org/officeDocument/2006/math" xmlns:w="http://schemas.openxmlformats.org/wordprocessingml/2006/main" xmlns:wp="http://schemas.openxmlformats.org/drawingml/2006/wordprocessingDrawing" xmlns:a14="http://schemas.microsoft.com/office/drawing/2010/main" xmlns:p15="http://schemas.microsoft.com/office/powerpoint/2012/main" xmlns:p159="http://schemas.microsoft.com/office/powerpoint/2015/09/main">
+    <mc:Fallback xmlns:p159="http://schemas.microsoft.com/office/powerpoint/2015/09/main" xmlns:p15="http://schemas.microsoft.com/office/powerpoint/2012/main" xmlns:a14="http://schemas.microsoft.com/office/drawing/2010/main" xmlns:wp="http://schemas.openxmlformats.org/drawingml/2006/wordprocessingDrawing" xmlns:w="http://schemas.openxmlformats.org/wordprocessingml/2006/main" xmlns:m="http://schemas.openxmlformats.org/officeDocument/2006/math" xmlns="">
       <p:transition spd="slow" advTm="3000"/>
     </mc:Fallback>
   </mc:AlternateContent>
@@ -5406,7 +6030,7 @@
     <mc:Choice Requires="p14">
       <p:transition spd="slow" p14:dur="2000" advTm="3000"/>
     </mc:Choice>
-    <mc:Fallback xmlns="" xmlns:m="http://schemas.openxmlformats.org/officeDocument/2006/math" xmlns:w="http://schemas.openxmlformats.org/wordprocessingml/2006/main" xmlns:wp="http://schemas.openxmlformats.org/drawingml/2006/wordprocessingDrawing" xmlns:a14="http://schemas.microsoft.com/office/drawing/2010/main" xmlns:p15="http://schemas.microsoft.com/office/powerpoint/2012/main" xmlns:p159="http://schemas.microsoft.com/office/powerpoint/2015/09/main">
+    <mc:Fallback xmlns:p159="http://schemas.microsoft.com/office/powerpoint/2015/09/main" xmlns:p15="http://schemas.microsoft.com/office/powerpoint/2012/main" xmlns:a14="http://schemas.microsoft.com/office/drawing/2010/main" xmlns:wp="http://schemas.openxmlformats.org/drawingml/2006/wordprocessingDrawing" xmlns:w="http://schemas.openxmlformats.org/wordprocessingml/2006/main" xmlns:m="http://schemas.openxmlformats.org/officeDocument/2006/math" xmlns="">
       <p:transition spd="slow" advTm="3000"/>
     </mc:Fallback>
   </mc:AlternateContent>
@@ -5608,6 +6232,657 @@
 </file>
 
 <file path=ppt/slides/slide10.xml><?xml version="1.0" encoding="utf-8"?>
+<p:sld xmlns:a="http://schemas.openxmlformats.org/drawingml/2006/main" xmlns:r="http://schemas.openxmlformats.org/officeDocument/2006/relationships" xmlns:p="http://schemas.openxmlformats.org/presentationml/2006/main">
+  <p:cSld>
+    <p:bg>
+      <p:bgPr>
+        <a:blipFill dpi="0" rotWithShape="1">
+          <a:blip r:embed="rId3">
+            <a:lum/>
+            <a:extLst>
+              <a:ext uri="{28A0092B-C50C-407E-A947-70E740481C1C}">
+                <a14:useLocalDpi xmlns:a14="http://schemas.microsoft.com/office/drawing/2010/main"/>
+              </a:ext>
+            </a:extLst>
+          </a:blip>
+          <a:stretch>
+            <a:fillRect/>
+          </a:stretch>
+        </a:blipFill>
+        <a:effectLst/>
+      </p:bgPr>
+    </p:bg>
+    <p:spTree>
+      <p:nvGrpSpPr>
+        <p:cNvPr id="1" name=""/>
+        <p:cNvGrpSpPr/>
+        <p:nvPr/>
+      </p:nvGrpSpPr>
+      <p:grpSpPr>
+        <a:xfrm>
+          <a:off x="0" y="0"/>
+          <a:ext cx="0" cy="0"/>
+          <a:chOff x="0" y="0"/>
+          <a:chExt cx="0" cy="0"/>
+        </a:xfrm>
+      </p:grpSpPr>
+      <p:sp>
+        <p:nvSpPr>
+          <p:cNvPr id="2" name="文本框 1">
+            <a:extLst>
+              <a:ext uri="{FF2B5EF4-FFF2-40B4-BE49-F238E27FC236}">
+                <a16:creationId xmlns:a16="http://schemas.microsoft.com/office/drawing/2014/main" id="{6EDE4976-455F-4A4E-8EFF-10C9C8B99481}"/>
+              </a:ext>
+            </a:extLst>
+          </p:cNvPr>
+          <p:cNvSpPr txBox="1"/>
+          <p:nvPr/>
+        </p:nvSpPr>
+        <p:spPr>
+          <a:xfrm>
+            <a:off x="2832122" y="2839242"/>
+            <a:ext cx="7299011" cy="1188720"/>
+          </a:xfrm>
+          <a:prstGeom prst="rect">
+            <a:avLst/>
+          </a:prstGeom>
+          <a:noFill/>
+        </p:spPr>
+        <p:txBody>
+          <a:bodyPr wrap="square" rtlCol="0">
+            <a:normAutofit/>
+          </a:bodyPr>
+          <a:lstStyle/>
+          <a:p>
+            <a:pPr algn="dist"/>
+            <a:r>
+              <a:rPr kumimoji="1" lang="zh-TW" altLang="en-US" sz="7200" b="1" dirty="0">
+                <a:solidFill>
+                  <a:schemeClr val="tx1">
+                    <a:lumMod val="75000"/>
+                    <a:lumOff val="25000"/>
+                  </a:schemeClr>
+                </a:solidFill>
+                <a:latin typeface="微軟正黑體" panose="020B0604030504040204" pitchFamily="34" charset="-120"/>
+                <a:ea typeface="微軟正黑體" panose="020B0604030504040204" pitchFamily="34" charset="-120"/>
+              </a:rPr>
+              <a:t>成果展示</a:t>
+            </a:r>
+            <a:endParaRPr kumimoji="1" lang="zh-TW" altLang="zh-TW" sz="7200" b="1" dirty="0">
+              <a:solidFill>
+                <a:schemeClr val="tx1">
+                  <a:lumMod val="75000"/>
+                  <a:lumOff val="25000"/>
+                </a:schemeClr>
+              </a:solidFill>
+              <a:latin typeface="微軟正黑體" panose="020B0604030504040204" pitchFamily="34" charset="-120"/>
+              <a:ea typeface="微軟正黑體" panose="020B0604030504040204" pitchFamily="34" charset="-120"/>
+            </a:endParaRPr>
+          </a:p>
+        </p:txBody>
+      </p:sp>
+      <p:sp>
+        <p:nvSpPr>
+          <p:cNvPr id="3" name="文本框 2">
+            <a:extLst>
+              <a:ext uri="{FF2B5EF4-FFF2-40B4-BE49-F238E27FC236}">
+                <a16:creationId xmlns:a16="http://schemas.microsoft.com/office/drawing/2014/main" id="{B9ED8401-449B-1D40-8AB9-7C7E338570A7}"/>
+              </a:ext>
+            </a:extLst>
+          </p:cNvPr>
+          <p:cNvSpPr txBox="1"/>
+          <p:nvPr/>
+        </p:nvSpPr>
+        <p:spPr>
+          <a:xfrm>
+            <a:off x="5667141" y="2202740"/>
+            <a:ext cx="1399426" cy="461772"/>
+          </a:xfrm>
+          <a:prstGeom prst="rect">
+            <a:avLst/>
+          </a:prstGeom>
+          <a:noFill/>
+        </p:spPr>
+        <p:txBody>
+          <a:bodyPr wrap="none" rtlCol="0">
+            <a:normAutofit/>
+          </a:bodyPr>
+          <a:lstStyle/>
+          <a:p>
+            <a:r>
+              <a:rPr kumimoji="1" lang="zh-TW" altLang="zh-TW" sz="2400" b="1" dirty="0">
+                <a:solidFill>
+                  <a:schemeClr val="tx1">
+                    <a:lumMod val="75000"/>
+                    <a:lumOff val="25000"/>
+                  </a:schemeClr>
+                </a:solidFill>
+                <a:latin typeface="微軟正黑體" panose="020B0604030504040204" pitchFamily="34" charset="-120"/>
+                <a:ea typeface="微軟正黑體" panose="020B0604030504040204" pitchFamily="34" charset="-120"/>
+              </a:rPr>
+              <a:t>PART 02</a:t>
+            </a:r>
+            <a:endParaRPr kumimoji="1" lang="zh-CN" altLang="en-US" sz="2800" b="1" dirty="0">
+              <a:solidFill>
+                <a:schemeClr val="tx1">
+                  <a:lumMod val="75000"/>
+                  <a:lumOff val="25000"/>
+                </a:schemeClr>
+              </a:solidFill>
+              <a:latin typeface="微軟正黑體" panose="020B0604030504040204" pitchFamily="34" charset="-120"/>
+              <a:ea typeface="微軟正黑體" panose="020B0604030504040204" pitchFamily="34" charset="-120"/>
+            </a:endParaRPr>
+          </a:p>
+        </p:txBody>
+      </p:sp>
+      <p:sp>
+        <p:nvSpPr>
+          <p:cNvPr id="4" name="文本框 3">
+            <a:extLst>
+              <a:ext uri="{FF2B5EF4-FFF2-40B4-BE49-F238E27FC236}">
+                <a16:creationId xmlns:a16="http://schemas.microsoft.com/office/drawing/2014/main" id="{57A19EA5-8DCE-C34E-A5D3-6018EA31F0C1}"/>
+              </a:ext>
+            </a:extLst>
+          </p:cNvPr>
+          <p:cNvSpPr txBox="1"/>
+          <p:nvPr/>
+        </p:nvSpPr>
+        <p:spPr>
+          <a:xfrm>
+            <a:off x="3037638" y="4092578"/>
+            <a:ext cx="6887978" cy="232995"/>
+          </a:xfrm>
+          <a:prstGeom prst="rect">
+            <a:avLst/>
+          </a:prstGeom>
+          <a:noFill/>
+        </p:spPr>
+        <p:txBody>
+          <a:bodyPr wrap="square" rtlCol="0">
+            <a:normAutofit/>
+          </a:bodyPr>
+          <a:lstStyle/>
+          <a:p>
+            <a:pPr algn="ctr">
+              <a:lnSpc>
+                <a:spcPct val="104000"/>
+              </a:lnSpc>
+            </a:pPr>
+            <a:endParaRPr lang="zh-TW" altLang="zh-TW" sz="900" dirty="0">
+              <a:solidFill>
+                <a:schemeClr val="tx1">
+                  <a:lumMod val="65000"/>
+                  <a:lumOff val="35000"/>
+                </a:schemeClr>
+              </a:solidFill>
+              <a:latin typeface="微軟正黑體" panose="020B0604030504040204" pitchFamily="34" charset="-120"/>
+              <a:ea typeface="微軟正黑體" panose="020B0604030504040204" pitchFamily="34" charset="-120"/>
+            </a:endParaRPr>
+          </a:p>
+        </p:txBody>
+      </p:sp>
+    </p:spTree>
+    <p:extLst>
+      <p:ext uri="{BB962C8B-B14F-4D97-AF65-F5344CB8AC3E}">
+        <p14:creationId xmlns:p14="http://schemas.microsoft.com/office/powerpoint/2010/main" val="1745588794"/>
+      </p:ext>
+    </p:extLst>
+  </p:cSld>
+  <p:clrMapOvr>
+    <a:masterClrMapping/>
+  </p:clrMapOvr>
+  <mc:AlternateContent xmlns:mc="http://schemas.openxmlformats.org/markup-compatibility/2006" xmlns:p14="http://schemas.microsoft.com/office/powerpoint/2010/main">
+    <mc:Choice Requires="p14">
+      <p:transition spd="slow" p14:dur="2000" advTm="3000"/>
+    </mc:Choice>
+    <mc:Fallback xmlns:p159="http://schemas.microsoft.com/office/powerpoint/2015/09/main" xmlns:p15="http://schemas.microsoft.com/office/powerpoint/2012/main" xmlns:a14="http://schemas.microsoft.com/office/drawing/2010/main" xmlns:wp="http://schemas.openxmlformats.org/drawingml/2006/wordprocessingDrawing" xmlns:w="http://schemas.openxmlformats.org/wordprocessingml/2006/main" xmlns:m="http://schemas.openxmlformats.org/officeDocument/2006/math" xmlns="">
+      <p:transition spd="slow" advTm="3000"/>
+    </mc:Fallback>
+  </mc:AlternateContent>
+  <p:timing>
+    <p:tnLst>
+      <p:par>
+        <p:cTn id="1" dur="indefinite" restart="never" nodeType="tmRoot">
+          <p:childTnLst>
+            <p:seq concurrent="1" nextAc="seek">
+              <p:cTn id="2" dur="indefinite" nodeType="mainSeq">
+                <p:childTnLst>
+                  <p:par>
+                    <p:cTn id="3" fill="hold" nodeType="clickPar">
+                      <p:stCondLst>
+                        <p:cond delay="indefinite"/>
+                      </p:stCondLst>
+                      <p:childTnLst>
+                        <p:par>
+                          <p:cTn id="4" fill="hold">
+                            <p:stCondLst>
+                              <p:cond delay="0"/>
+                            </p:stCondLst>
+                            <p:childTnLst>
+                              <p:par>
+                                <p:cTn id="5" presetID="9" presetClass="entr" presetSubtype="0" fill="hold" grpId="0" nodeType="clickEffect">
+                                  <p:stCondLst>
+                                    <p:cond delay="0"/>
+                                  </p:stCondLst>
+                                  <p:childTnLst>
+                                    <p:set>
+                                      <p:cBhvr>
+                                        <p:cTn id="6" dur="1" fill="hold">
+                                          <p:stCondLst>
+                                            <p:cond delay="0"/>
+                                          </p:stCondLst>
+                                        </p:cTn>
+                                        <p:tgtEl>
+                                          <p:spTgt spid="2"/>
+                                        </p:tgtEl>
+                                        <p:attrNameLst>
+                                          <p:attrName>style.visibility</p:attrName>
+                                        </p:attrNameLst>
+                                      </p:cBhvr>
+                                      <p:to>
+                                        <p:strVal val="visible"/>
+                                      </p:to>
+                                    </p:set>
+                                    <p:animEffect transition="in" filter="dissolve">
+                                      <p:cBhvr>
+                                        <p:cTn id="7" dur="500"/>
+                                        <p:tgtEl>
+                                          <p:spTgt spid="2"/>
+                                        </p:tgtEl>
+                                      </p:cBhvr>
+                                    </p:animEffect>
+                                  </p:childTnLst>
+                                </p:cTn>
+                              </p:par>
+                              <p:par>
+                                <p:cTn id="8" presetID="9" presetClass="entr" presetSubtype="0" fill="hold" grpId="0" nodeType="withEffect">
+                                  <p:stCondLst>
+                                    <p:cond delay="0"/>
+                                  </p:stCondLst>
+                                  <p:childTnLst>
+                                    <p:set>
+                                      <p:cBhvr>
+                                        <p:cTn id="9" dur="1" fill="hold">
+                                          <p:stCondLst>
+                                            <p:cond delay="0"/>
+                                          </p:stCondLst>
+                                        </p:cTn>
+                                        <p:tgtEl>
+                                          <p:spTgt spid="3"/>
+                                        </p:tgtEl>
+                                        <p:attrNameLst>
+                                          <p:attrName>style.visibility</p:attrName>
+                                        </p:attrNameLst>
+                                      </p:cBhvr>
+                                      <p:to>
+                                        <p:strVal val="visible"/>
+                                      </p:to>
+                                    </p:set>
+                                    <p:animEffect transition="in" filter="dissolve">
+                                      <p:cBhvr>
+                                        <p:cTn id="10" dur="500"/>
+                                        <p:tgtEl>
+                                          <p:spTgt spid="3"/>
+                                        </p:tgtEl>
+                                      </p:cBhvr>
+                                    </p:animEffect>
+                                  </p:childTnLst>
+                                </p:cTn>
+                              </p:par>
+                              <p:par>
+                                <p:cTn id="11" presetID="9" presetClass="entr" presetSubtype="0" fill="hold" grpId="0" nodeType="withEffect" nodePh="1">
+                                  <p:stCondLst>
+                                    <p:cond delay="0"/>
+                                  </p:stCondLst>
+                                  <p:endCondLst>
+                                    <p:cond evt="begin" delay="0">
+                                      <p:tn val="11"/>
+                                    </p:cond>
+                                  </p:endCondLst>
+                                  <p:childTnLst>
+                                    <p:set>
+                                      <p:cBhvr>
+                                        <p:cTn id="12" dur="1" fill="hold">
+                                          <p:stCondLst>
+                                            <p:cond delay="0"/>
+                                          </p:stCondLst>
+                                        </p:cTn>
+                                        <p:tgtEl>
+                                          <p:spTgt spid="4"/>
+                                        </p:tgtEl>
+                                        <p:attrNameLst>
+                                          <p:attrName>style.visibility</p:attrName>
+                                        </p:attrNameLst>
+                                      </p:cBhvr>
+                                      <p:to>
+                                        <p:strVal val="visible"/>
+                                      </p:to>
+                                    </p:set>
+                                    <p:animEffect transition="in" filter="dissolve">
+                                      <p:cBhvr>
+                                        <p:cTn id="13" dur="500"/>
+                                        <p:tgtEl>
+                                          <p:spTgt spid="4"/>
+                                        </p:tgtEl>
+                                      </p:cBhvr>
+                                    </p:animEffect>
+                                  </p:childTnLst>
+                                </p:cTn>
+                              </p:par>
+                            </p:childTnLst>
+                          </p:cTn>
+                        </p:par>
+                      </p:childTnLst>
+                    </p:cTn>
+                  </p:par>
+                </p:childTnLst>
+              </p:cTn>
+              <p:prevCondLst>
+                <p:cond evt="onPrev" delay="0">
+                  <p:tgtEl>
+                    <p:sldTgt/>
+                  </p:tgtEl>
+                </p:cond>
+              </p:prevCondLst>
+              <p:nextCondLst>
+                <p:cond evt="onNext" delay="0">
+                  <p:tgtEl>
+                    <p:sldTgt/>
+                  </p:tgtEl>
+                </p:cond>
+              </p:nextCondLst>
+            </p:seq>
+          </p:childTnLst>
+        </p:cTn>
+      </p:par>
+    </p:tnLst>
+    <p:bldLst>
+      <p:bldP spid="2" grpId="0"/>
+      <p:bldP spid="3" grpId="0"/>
+      <p:bldP spid="4" grpId="0"/>
+    </p:bldLst>
+  </p:timing>
+</p:sld>
+</file>
+
+<file path=ppt/slides/slide11.xml><?xml version="1.0" encoding="utf-8"?>
+<p:sld xmlns:a="http://schemas.openxmlformats.org/drawingml/2006/main" xmlns:r="http://schemas.openxmlformats.org/officeDocument/2006/relationships" xmlns:p="http://schemas.openxmlformats.org/presentationml/2006/main">
+  <p:cSld>
+    <p:bg>
+      <p:bgPr>
+        <a:blipFill dpi="0" rotWithShape="1">
+          <a:blip r:embed="rId3">
+            <a:lum/>
+            <a:extLst>
+              <a:ext uri="{28A0092B-C50C-407E-A947-70E740481C1C}">
+                <a14:useLocalDpi xmlns:a14="http://schemas.microsoft.com/office/drawing/2010/main"/>
+              </a:ext>
+            </a:extLst>
+          </a:blip>
+          <a:stretch>
+            <a:fillRect/>
+          </a:stretch>
+        </a:blipFill>
+        <a:effectLst/>
+      </p:bgPr>
+    </p:bg>
+    <p:spTree>
+      <p:nvGrpSpPr>
+        <p:cNvPr id="1" name=""/>
+        <p:cNvGrpSpPr/>
+        <p:nvPr/>
+      </p:nvGrpSpPr>
+      <p:grpSpPr>
+        <a:xfrm>
+          <a:off x="0" y="0"/>
+          <a:ext cx="0" cy="0"/>
+          <a:chOff x="0" y="0"/>
+          <a:chExt cx="0" cy="0"/>
+        </a:xfrm>
+      </p:grpSpPr>
+      <p:sp>
+        <p:nvSpPr>
+          <p:cNvPr id="2" name="文本框 1">
+            <a:extLst>
+              <a:ext uri="{FF2B5EF4-FFF2-40B4-BE49-F238E27FC236}">
+                <a16:creationId xmlns:a16="http://schemas.microsoft.com/office/drawing/2014/main" id="{6EDE4976-455F-4A4E-8EFF-10C9C8B99481}"/>
+              </a:ext>
+            </a:extLst>
+          </p:cNvPr>
+          <p:cNvSpPr txBox="1"/>
+          <p:nvPr/>
+        </p:nvSpPr>
+        <p:spPr>
+          <a:xfrm>
+            <a:off x="2832122" y="2839242"/>
+            <a:ext cx="7299011" cy="1188720"/>
+          </a:xfrm>
+          <a:prstGeom prst="rect">
+            <a:avLst/>
+          </a:prstGeom>
+          <a:noFill/>
+        </p:spPr>
+        <p:txBody>
+          <a:bodyPr wrap="square" rtlCol="0">
+            <a:normAutofit/>
+          </a:bodyPr>
+          <a:lstStyle/>
+          <a:p>
+            <a:pPr algn="dist"/>
+            <a:r>
+              <a:rPr kumimoji="1" lang="zh-TW" altLang="zh-TW" sz="7200" b="1" dirty="0">
+                <a:solidFill>
+                  <a:schemeClr val="tx1">
+                    <a:lumMod val="75000"/>
+                    <a:lumOff val="25000"/>
+                  </a:schemeClr>
+                </a:solidFill>
+                <a:latin typeface="微軟正黑體" panose="020B0604030504040204" pitchFamily="34" charset="-120"/>
+                <a:ea typeface="微軟正黑體" panose="020B0604030504040204" pitchFamily="34" charset="-120"/>
+              </a:rPr>
+              <a:t>發現問題</a:t>
+            </a:r>
+          </a:p>
+        </p:txBody>
+      </p:sp>
+      <p:sp>
+        <p:nvSpPr>
+          <p:cNvPr id="3" name="文本框 2">
+            <a:extLst>
+              <a:ext uri="{FF2B5EF4-FFF2-40B4-BE49-F238E27FC236}">
+                <a16:creationId xmlns:a16="http://schemas.microsoft.com/office/drawing/2014/main" id="{B9ED8401-449B-1D40-8AB9-7C7E338570A7}"/>
+              </a:ext>
+            </a:extLst>
+          </p:cNvPr>
+          <p:cNvSpPr txBox="1"/>
+          <p:nvPr/>
+        </p:nvSpPr>
+        <p:spPr>
+          <a:xfrm>
+            <a:off x="5667141" y="2202740"/>
+            <a:ext cx="1399426" cy="461772"/>
+          </a:xfrm>
+          <a:prstGeom prst="rect">
+            <a:avLst/>
+          </a:prstGeom>
+          <a:noFill/>
+        </p:spPr>
+        <p:txBody>
+          <a:bodyPr wrap="none" rtlCol="0">
+            <a:normAutofit/>
+          </a:bodyPr>
+          <a:lstStyle/>
+          <a:p>
+            <a:r>
+              <a:rPr kumimoji="1" lang="zh-TW" altLang="zh-TW" sz="2400" b="1" dirty="0">
+                <a:solidFill>
+                  <a:schemeClr val="tx1">
+                    <a:lumMod val="75000"/>
+                    <a:lumOff val="25000"/>
+                  </a:schemeClr>
+                </a:solidFill>
+                <a:latin typeface="微軟正黑體" panose="020B0604030504040204" pitchFamily="34" charset="-120"/>
+                <a:ea typeface="微軟正黑體" panose="020B0604030504040204" pitchFamily="34" charset="-120"/>
+              </a:rPr>
+              <a:t>PART 03</a:t>
+            </a:r>
+            <a:endParaRPr kumimoji="1" lang="zh-CN" altLang="en-US" sz="2800" b="1" dirty="0">
+              <a:solidFill>
+                <a:schemeClr val="tx1">
+                  <a:lumMod val="75000"/>
+                  <a:lumOff val="25000"/>
+                </a:schemeClr>
+              </a:solidFill>
+              <a:latin typeface="思源宋体 CN Heavy" panose="02020900000000000000" pitchFamily="18" charset="-122"/>
+              <a:ea typeface="思源宋体 CN Heavy" panose="02020900000000000000" pitchFamily="18" charset="-122"/>
+            </a:endParaRPr>
+          </a:p>
+        </p:txBody>
+      </p:sp>
+    </p:spTree>
+    <p:extLst>
+      <p:ext uri="{BB962C8B-B14F-4D97-AF65-F5344CB8AC3E}">
+        <p14:creationId xmlns:p14="http://schemas.microsoft.com/office/powerpoint/2010/main" val="385129766"/>
+      </p:ext>
+    </p:extLst>
+  </p:cSld>
+  <p:clrMapOvr>
+    <a:masterClrMapping/>
+  </p:clrMapOvr>
+  <mc:AlternateContent xmlns:mc="http://schemas.openxmlformats.org/markup-compatibility/2006" xmlns:p14="http://schemas.microsoft.com/office/powerpoint/2010/main">
+    <mc:Choice Requires="p14">
+      <p:transition spd="slow" p14:dur="2000" advTm="3000"/>
+    </mc:Choice>
+    <mc:Fallback xmlns:p159="http://schemas.microsoft.com/office/powerpoint/2015/09/main" xmlns:p15="http://schemas.microsoft.com/office/powerpoint/2012/main" xmlns:a14="http://schemas.microsoft.com/office/drawing/2010/main" xmlns:wp="http://schemas.openxmlformats.org/drawingml/2006/wordprocessingDrawing" xmlns:w="http://schemas.openxmlformats.org/wordprocessingml/2006/main" xmlns:m="http://schemas.openxmlformats.org/officeDocument/2006/math" xmlns="">
+      <p:transition spd="slow" advTm="3000"/>
+    </mc:Fallback>
+  </mc:AlternateContent>
+  <p:timing>
+    <p:tnLst>
+      <p:par>
+        <p:cTn id="1" dur="indefinite" restart="never" nodeType="tmRoot">
+          <p:childTnLst>
+            <p:seq concurrent="1" nextAc="seek">
+              <p:cTn id="2" dur="indefinite" nodeType="mainSeq">
+                <p:childTnLst>
+                  <p:par>
+                    <p:cTn id="3" fill="hold" nodeType="clickPar">
+                      <p:stCondLst>
+                        <p:cond delay="indefinite"/>
+                      </p:stCondLst>
+                      <p:childTnLst>
+                        <p:par>
+                          <p:cTn id="4" fill="hold">
+                            <p:stCondLst>
+                              <p:cond delay="0"/>
+                            </p:stCondLst>
+                            <p:childTnLst>
+                              <p:par>
+                                <p:cTn id="5" presetID="9" presetClass="entr" presetSubtype="0" fill="hold" grpId="0" nodeType="clickEffect">
+                                  <p:stCondLst>
+                                    <p:cond delay="0"/>
+                                  </p:stCondLst>
+                                  <p:childTnLst>
+                                    <p:set>
+                                      <p:cBhvr>
+                                        <p:cTn id="6" dur="1" fill="hold">
+                                          <p:stCondLst>
+                                            <p:cond delay="0"/>
+                                          </p:stCondLst>
+                                        </p:cTn>
+                                        <p:tgtEl>
+                                          <p:spTgt spid="2"/>
+                                        </p:tgtEl>
+                                        <p:attrNameLst>
+                                          <p:attrName>style.visibility</p:attrName>
+                                        </p:attrNameLst>
+                                      </p:cBhvr>
+                                      <p:to>
+                                        <p:strVal val="visible"/>
+                                      </p:to>
+                                    </p:set>
+                                    <p:animEffect transition="in" filter="dissolve">
+                                      <p:cBhvr>
+                                        <p:cTn id="7" dur="500"/>
+                                        <p:tgtEl>
+                                          <p:spTgt spid="2"/>
+                                        </p:tgtEl>
+                                      </p:cBhvr>
+                                    </p:animEffect>
+                                  </p:childTnLst>
+                                </p:cTn>
+                              </p:par>
+                              <p:par>
+                                <p:cTn id="8" presetID="9" presetClass="entr" presetSubtype="0" fill="hold" grpId="0" nodeType="withEffect">
+                                  <p:stCondLst>
+                                    <p:cond delay="0"/>
+                                  </p:stCondLst>
+                                  <p:childTnLst>
+                                    <p:set>
+                                      <p:cBhvr>
+                                        <p:cTn id="9" dur="1" fill="hold">
+                                          <p:stCondLst>
+                                            <p:cond delay="0"/>
+                                          </p:stCondLst>
+                                        </p:cTn>
+                                        <p:tgtEl>
+                                          <p:spTgt spid="3"/>
+                                        </p:tgtEl>
+                                        <p:attrNameLst>
+                                          <p:attrName>style.visibility</p:attrName>
+                                        </p:attrNameLst>
+                                      </p:cBhvr>
+                                      <p:to>
+                                        <p:strVal val="visible"/>
+                                      </p:to>
+                                    </p:set>
+                                    <p:animEffect transition="in" filter="dissolve">
+                                      <p:cBhvr>
+                                        <p:cTn id="10" dur="500"/>
+                                        <p:tgtEl>
+                                          <p:spTgt spid="3"/>
+                                        </p:tgtEl>
+                                      </p:cBhvr>
+                                    </p:animEffect>
+                                  </p:childTnLst>
+                                </p:cTn>
+                              </p:par>
+                            </p:childTnLst>
+                          </p:cTn>
+                        </p:par>
+                      </p:childTnLst>
+                    </p:cTn>
+                  </p:par>
+                </p:childTnLst>
+              </p:cTn>
+              <p:prevCondLst>
+                <p:cond evt="onPrev" delay="0">
+                  <p:tgtEl>
+                    <p:sldTgt/>
+                  </p:tgtEl>
+                </p:cond>
+              </p:prevCondLst>
+              <p:nextCondLst>
+                <p:cond evt="onNext" delay="0">
+                  <p:tgtEl>
+                    <p:sldTgt/>
+                  </p:tgtEl>
+                </p:cond>
+              </p:nextCondLst>
+            </p:seq>
+          </p:childTnLst>
+        </p:cTn>
+      </p:par>
+    </p:tnLst>
+    <p:bldLst>
+      <p:bldP spid="2" grpId="0"/>
+      <p:bldP spid="3" grpId="0"/>
+    </p:bldLst>
+  </p:timing>
+</p:sld>
+</file>
+
+<file path=ppt/slides/slide12.xml><?xml version="1.0" encoding="utf-8"?>
 <p:sld xmlns:a="http://schemas.openxmlformats.org/drawingml/2006/main" xmlns:r="http://schemas.openxmlformats.org/officeDocument/2006/relationships" xmlns:p="http://schemas.openxmlformats.org/presentationml/2006/main">
   <p:cSld>
     <p:spTree>
@@ -6973,7 +8248,7 @@
     <mc:Choice Requires="p14">
       <p:transition spd="slow" p14:dur="2000" advTm="3000"/>
     </mc:Choice>
-    <mc:Fallback xmlns="" xmlns:m="http://schemas.openxmlformats.org/officeDocument/2006/math" xmlns:w="http://schemas.openxmlformats.org/wordprocessingml/2006/main" xmlns:wp="http://schemas.openxmlformats.org/drawingml/2006/wordprocessingDrawing" xmlns:a14="http://schemas.microsoft.com/office/drawing/2010/main" xmlns:p15="http://schemas.microsoft.com/office/powerpoint/2012/main" xmlns:p159="http://schemas.microsoft.com/office/powerpoint/2015/09/main">
+    <mc:Fallback xmlns:p159="http://schemas.microsoft.com/office/powerpoint/2015/09/main" xmlns:p15="http://schemas.microsoft.com/office/powerpoint/2012/main" xmlns:a14="http://schemas.microsoft.com/office/drawing/2010/main" xmlns:wp="http://schemas.openxmlformats.org/drawingml/2006/wordprocessingDrawing" xmlns:w="http://schemas.openxmlformats.org/wordprocessingml/2006/main" xmlns:m="http://schemas.openxmlformats.org/officeDocument/2006/math" xmlns="">
       <p:transition spd="slow" advTm="3000"/>
     </mc:Fallback>
   </mc:AlternateContent>
@@ -7182,7 +8457,7 @@
 </p:sld>
 </file>
 
-<file path=ppt/slides/slide11.xml><?xml version="1.0" encoding="utf-8"?>
+<file path=ppt/slides/slide13.xml><?xml version="1.0" encoding="utf-8"?>
 <p:sld xmlns:a="http://schemas.openxmlformats.org/drawingml/2006/main" xmlns:r="http://schemas.openxmlformats.org/officeDocument/2006/relationships" xmlns:p="http://schemas.openxmlformats.org/presentationml/2006/main">
   <p:cSld>
     <p:bg>
@@ -7340,7 +8615,7 @@
     <mc:Choice Requires="p14">
       <p:transition spd="slow" p14:dur="2000" advTm="3000"/>
     </mc:Choice>
-    <mc:Fallback xmlns="" xmlns:m="http://schemas.openxmlformats.org/officeDocument/2006/math" xmlns:w="http://schemas.openxmlformats.org/wordprocessingml/2006/main" xmlns:wp="http://schemas.openxmlformats.org/drawingml/2006/wordprocessingDrawing" xmlns:a14="http://schemas.microsoft.com/office/drawing/2010/main" xmlns:p15="http://schemas.microsoft.com/office/powerpoint/2012/main" xmlns:p159="http://schemas.microsoft.com/office/powerpoint/2015/09/main">
+    <mc:Fallback xmlns:p159="http://schemas.microsoft.com/office/powerpoint/2015/09/main" xmlns:p15="http://schemas.microsoft.com/office/powerpoint/2012/main" xmlns:a14="http://schemas.microsoft.com/office/drawing/2010/main" xmlns:wp="http://schemas.openxmlformats.org/drawingml/2006/wordprocessingDrawing" xmlns:w="http://schemas.openxmlformats.org/wordprocessingml/2006/main" xmlns:m="http://schemas.openxmlformats.org/officeDocument/2006/math" xmlns="">
       <p:transition spd="slow" advTm="3000"/>
     </mc:Fallback>
   </mc:AlternateContent>
@@ -7469,7 +8744,7 @@
 </p:sld>
 </file>
 
-<file path=ppt/slides/slide12.xml><?xml version="1.0" encoding="utf-8"?>
+<file path=ppt/slides/slide14.xml><?xml version="1.0" encoding="utf-8"?>
 <p:sld xmlns:a="http://schemas.openxmlformats.org/drawingml/2006/main" xmlns:r="http://schemas.openxmlformats.org/officeDocument/2006/relationships" xmlns:p="http://schemas.openxmlformats.org/presentationml/2006/main">
   <p:cSld>
     <p:spTree>
@@ -7958,7 +9233,7 @@
     <mc:Choice Requires="p14">
       <p:transition spd="slow" p14:dur="2000" advTm="3000"/>
     </mc:Choice>
-    <mc:Fallback xmlns="" xmlns:m="http://schemas.openxmlformats.org/officeDocument/2006/math" xmlns:w="http://schemas.openxmlformats.org/wordprocessingml/2006/main" xmlns:wp="http://schemas.openxmlformats.org/drawingml/2006/wordprocessingDrawing" xmlns:a14="http://schemas.microsoft.com/office/drawing/2010/main" xmlns:p15="http://schemas.microsoft.com/office/powerpoint/2012/main" xmlns:p159="http://schemas.microsoft.com/office/powerpoint/2015/09/main">
+    <mc:Fallback xmlns:p159="http://schemas.microsoft.com/office/powerpoint/2015/09/main" xmlns:p15="http://schemas.microsoft.com/office/powerpoint/2012/main" xmlns:a14="http://schemas.microsoft.com/office/drawing/2010/main" xmlns:wp="http://schemas.openxmlformats.org/drawingml/2006/wordprocessingDrawing" xmlns:w="http://schemas.openxmlformats.org/wordprocessingml/2006/main" xmlns:m="http://schemas.openxmlformats.org/officeDocument/2006/math" xmlns="">
       <p:transition spd="slow" advTm="3000"/>
     </mc:Fallback>
   </mc:AlternateContent>
@@ -8108,7 +9383,7 @@
 </p:sld>
 </file>
 
-<file path=ppt/slides/slide13.xml><?xml version="1.0" encoding="utf-8"?>
+<file path=ppt/slides/slide15.xml><?xml version="1.0" encoding="utf-8"?>
 <p:sld xmlns:a="http://schemas.openxmlformats.org/drawingml/2006/main" xmlns:r="http://schemas.openxmlformats.org/officeDocument/2006/relationships" xmlns:p="http://schemas.openxmlformats.org/presentationml/2006/main">
   <p:cSld>
     <p:bg>
@@ -8202,7 +9477,7 @@
     <mc:Choice Requires="p14">
       <p:transition spd="slow" p14:dur="2000" advTm="3000"/>
     </mc:Choice>
-    <mc:Fallback xmlns="" xmlns:m="http://schemas.openxmlformats.org/officeDocument/2006/math" xmlns:w="http://schemas.openxmlformats.org/wordprocessingml/2006/main" xmlns:wp="http://schemas.openxmlformats.org/drawingml/2006/wordprocessingDrawing" xmlns:a14="http://schemas.microsoft.com/office/drawing/2010/main" xmlns:p15="http://schemas.microsoft.com/office/powerpoint/2012/main" xmlns:p159="http://schemas.microsoft.com/office/powerpoint/2015/09/main">
+    <mc:Fallback xmlns:p159="http://schemas.microsoft.com/office/powerpoint/2015/09/main" xmlns:p15="http://schemas.microsoft.com/office/powerpoint/2012/main" xmlns:a14="http://schemas.microsoft.com/office/drawing/2010/main" xmlns:wp="http://schemas.openxmlformats.org/drawingml/2006/wordprocessingDrawing" xmlns:w="http://schemas.openxmlformats.org/wordprocessingml/2006/main" xmlns:m="http://schemas.openxmlformats.org/officeDocument/2006/math" xmlns="">
       <p:transition spd="slow" advTm="3000"/>
     </mc:Fallback>
   </mc:AlternateContent>
@@ -8620,7 +9895,7 @@
     <mc:Choice Requires="p14">
       <p:transition spd="slow" p14:dur="2000" advTm="3000"/>
     </mc:Choice>
-    <mc:Fallback xmlns="" xmlns:m="http://schemas.openxmlformats.org/officeDocument/2006/math" xmlns:w="http://schemas.openxmlformats.org/wordprocessingml/2006/main" xmlns:wp="http://schemas.openxmlformats.org/drawingml/2006/wordprocessingDrawing" xmlns:a14="http://schemas.microsoft.com/office/drawing/2010/main" xmlns:p15="http://schemas.microsoft.com/office/powerpoint/2012/main" xmlns:p159="http://schemas.microsoft.com/office/powerpoint/2015/09/main">
+    <mc:Fallback xmlns:p159="http://schemas.microsoft.com/office/powerpoint/2015/09/main" xmlns:p15="http://schemas.microsoft.com/office/powerpoint/2012/main" xmlns:a14="http://schemas.microsoft.com/office/drawing/2010/main" xmlns:wp="http://schemas.openxmlformats.org/drawingml/2006/wordprocessingDrawing" xmlns:w="http://schemas.openxmlformats.org/wordprocessingml/2006/main" xmlns:m="http://schemas.openxmlformats.org/officeDocument/2006/math" xmlns="">
       <p:transition spd="slow" advTm="3000"/>
     </mc:Fallback>
   </mc:AlternateContent>
@@ -8907,7 +10182,7 @@
     <mc:Choice Requires="p14">
       <p:transition spd="slow" p14:dur="2000" advTm="3000"/>
     </mc:Choice>
-    <mc:Fallback xmlns="" xmlns:m="http://schemas.openxmlformats.org/officeDocument/2006/math" xmlns:w="http://schemas.openxmlformats.org/wordprocessingml/2006/main" xmlns:wp="http://schemas.openxmlformats.org/drawingml/2006/wordprocessingDrawing" xmlns:a14="http://schemas.microsoft.com/office/drawing/2010/main" xmlns:p15="http://schemas.microsoft.com/office/powerpoint/2012/main" xmlns:p159="http://schemas.microsoft.com/office/powerpoint/2015/09/main">
+    <mc:Fallback xmlns:p159="http://schemas.microsoft.com/office/powerpoint/2015/09/main" xmlns:p15="http://schemas.microsoft.com/office/powerpoint/2012/main" xmlns:a14="http://schemas.microsoft.com/office/drawing/2010/main" xmlns:wp="http://schemas.openxmlformats.org/drawingml/2006/wordprocessingDrawing" xmlns:w="http://schemas.openxmlformats.org/wordprocessingml/2006/main" xmlns:m="http://schemas.openxmlformats.org/officeDocument/2006/math" xmlns="">
       <p:transition spd="slow" advTm="3000"/>
     </mc:Fallback>
   </mc:AlternateContent>
@@ -9604,7 +10879,7 @@
     <mc:Choice Requires="p14">
       <p:transition spd="slow" p14:dur="2000" advTm="3000"/>
     </mc:Choice>
-    <mc:Fallback xmlns="" xmlns:m="http://schemas.openxmlformats.org/officeDocument/2006/math" xmlns:w="http://schemas.openxmlformats.org/wordprocessingml/2006/main" xmlns:wp="http://schemas.openxmlformats.org/drawingml/2006/wordprocessingDrawing" xmlns:a14="http://schemas.microsoft.com/office/drawing/2010/main" xmlns:p15="http://schemas.microsoft.com/office/powerpoint/2012/main" xmlns:p159="http://schemas.microsoft.com/office/powerpoint/2015/09/main">
+    <mc:Fallback xmlns:p159="http://schemas.microsoft.com/office/powerpoint/2015/09/main" xmlns:p15="http://schemas.microsoft.com/office/powerpoint/2012/main" xmlns:a14="http://schemas.microsoft.com/office/drawing/2010/main" xmlns:wp="http://schemas.openxmlformats.org/drawingml/2006/wordprocessingDrawing" xmlns:w="http://schemas.openxmlformats.org/wordprocessingml/2006/main" xmlns:m="http://schemas.openxmlformats.org/officeDocument/2006/math" xmlns="">
       <p:transition spd="slow" advTm="3000"/>
     </mc:Fallback>
   </mc:AlternateContent>
@@ -9923,7 +11198,33 @@
                 <a:latin typeface="微軟正黑體" panose="020B0604030504040204" pitchFamily="34" charset="-120"/>
                 <a:ea typeface="微軟正黑體" panose="020B0604030504040204" pitchFamily="34" charset="-120"/>
               </a:rPr>
-              <a:t>是一項前端框架，在這個框架下去開發所需的話，我們跟使用者可以獲得更好的互動體驗，藉著框架的模板語法，我們可以實現：</a:t>
+              <a:t>是一項漸進式的</a:t>
+            </a:r>
+            <a:r>
+              <a:rPr lang="en-US" altLang="zh-TW" sz="2800" dirty="0">
+                <a:solidFill>
+                  <a:schemeClr val="tx1">
+                    <a:lumMod val="65000"/>
+                    <a:lumOff val="35000"/>
+                  </a:schemeClr>
+                </a:solidFill>
+                <a:latin typeface="微軟正黑體" panose="020B0604030504040204" pitchFamily="34" charset="-120"/>
+                <a:ea typeface="微軟正黑體" panose="020B0604030504040204" pitchFamily="34" charset="-120"/>
+              </a:rPr>
+              <a:t>JavaScript</a:t>
+            </a:r>
+            <a:r>
+              <a:rPr lang="zh-TW" altLang="en-US" sz="2800" dirty="0">
+                <a:solidFill>
+                  <a:schemeClr val="tx1">
+                    <a:lumMod val="65000"/>
+                    <a:lumOff val="35000"/>
+                  </a:schemeClr>
+                </a:solidFill>
+                <a:latin typeface="微軟正黑體" panose="020B0604030504040204" pitchFamily="34" charset="-120"/>
+                <a:ea typeface="微軟正黑體" panose="020B0604030504040204" pitchFamily="34" charset="-120"/>
+              </a:rPr>
+              <a:t>框架，在這個框架下去開發所需的話，我們跟使用者可以獲得更好的互動體驗，藉著框架的模板語法，我們可以實現：</a:t>
             </a:r>
             <a:endParaRPr lang="en-US" altLang="zh-TW" sz="2800" dirty="0">
               <a:solidFill>
@@ -9983,7 +11284,7 @@
                 <a:latin typeface="微軟正黑體" panose="020B0604030504040204" pitchFamily="34" charset="-120"/>
                 <a:ea typeface="微軟正黑體" panose="020B0604030504040204" pitchFamily="34" charset="-120"/>
               </a:rPr>
-              <a:t>● 更快的視圖渲染</a:t>
+              <a:t>● 更直覺的視圖渲染</a:t>
             </a:r>
             <a:endParaRPr lang="en-US" altLang="zh-TW" sz="2800" dirty="0">
               <a:solidFill>
@@ -10174,7 +11475,7 @@
     <mc:Choice Requires="p14">
       <p:transition spd="slow" p14:dur="2000" advTm="3000"/>
     </mc:Choice>
-    <mc:Fallback xmlns="" xmlns:m="http://schemas.openxmlformats.org/officeDocument/2006/math" xmlns:w="http://schemas.openxmlformats.org/wordprocessingml/2006/main" xmlns:wp="http://schemas.openxmlformats.org/drawingml/2006/wordprocessingDrawing" xmlns:a14="http://schemas.microsoft.com/office/drawing/2010/main" xmlns:p15="http://schemas.microsoft.com/office/powerpoint/2012/main" xmlns:p159="http://schemas.microsoft.com/office/powerpoint/2015/09/main">
+    <mc:Fallback xmlns:p159="http://schemas.microsoft.com/office/powerpoint/2015/09/main" xmlns:p15="http://schemas.microsoft.com/office/powerpoint/2012/main" xmlns:a14="http://schemas.microsoft.com/office/drawing/2010/main" xmlns:wp="http://schemas.openxmlformats.org/drawingml/2006/wordprocessingDrawing" xmlns:w="http://schemas.openxmlformats.org/wordprocessingml/2006/main" xmlns:m="http://schemas.openxmlformats.org/officeDocument/2006/math" xmlns="">
       <p:transition spd="slow" advTm="3000"/>
     </mc:Fallback>
   </mc:AlternateContent>
@@ -10289,6 +11590,189 @@
       </p:grpSpPr>
       <p:sp>
         <p:nvSpPr>
+          <p:cNvPr id="26" name="文本框 25">
+            <a:extLst>
+              <a:ext uri="{FF2B5EF4-FFF2-40B4-BE49-F238E27FC236}">
+                <a16:creationId xmlns:a16="http://schemas.microsoft.com/office/drawing/2014/main" id="{538F618A-4C6F-1F4F-82A2-D027BFED479A}"/>
+              </a:ext>
+            </a:extLst>
+          </p:cNvPr>
+          <p:cNvSpPr txBox="1"/>
+          <p:nvPr/>
+        </p:nvSpPr>
+        <p:spPr>
+          <a:xfrm>
+            <a:off x="804791" y="79203"/>
+            <a:ext cx="2642990" cy="518160"/>
+          </a:xfrm>
+          <a:prstGeom prst="rect">
+            <a:avLst/>
+          </a:prstGeom>
+          <a:noFill/>
+        </p:spPr>
+        <p:txBody>
+          <a:bodyPr wrap="square" rtlCol="0">
+            <a:normAutofit/>
+          </a:bodyPr>
+          <a:lstStyle/>
+          <a:p>
+            <a:pPr algn="dist"/>
+            <a:r>
+              <a:rPr kumimoji="1" lang="zh-TW" altLang="en-US" sz="2800" b="1" dirty="0">
+                <a:solidFill>
+                  <a:schemeClr val="tx1">
+                    <a:lumMod val="75000"/>
+                    <a:lumOff val="25000"/>
+                  </a:schemeClr>
+                </a:solidFill>
+                <a:latin typeface="微軟正黑體" panose="020B0604030504040204" pitchFamily="34" charset="-120"/>
+                <a:ea typeface="微軟正黑體" panose="020B0604030504040204" pitchFamily="34" charset="-120"/>
+              </a:rPr>
+              <a:t>使用工具</a:t>
+            </a:r>
+            <a:endParaRPr kumimoji="1" lang="zh-TW" altLang="zh-TW" sz="2800" b="1" dirty="0">
+              <a:solidFill>
+                <a:schemeClr val="tx1">
+                  <a:lumMod val="75000"/>
+                  <a:lumOff val="25000"/>
+                </a:schemeClr>
+              </a:solidFill>
+              <a:latin typeface="微軟正黑體" panose="020B0604030504040204" pitchFamily="34" charset="-120"/>
+              <a:ea typeface="微軟正黑體" panose="020B0604030504040204" pitchFamily="34" charset="-120"/>
+            </a:endParaRPr>
+          </a:p>
+        </p:txBody>
+      </p:sp>
+      <p:pic>
+        <p:nvPicPr>
+          <p:cNvPr id="1026" name="Picture 2" descr="https://docs.f5ezcode.in/~gitbook/image?url=https%3A%2F%2F3362868160-files.gitbook.io%2F%7E%2Ffiles%2Fv0%2Fb%2Fgitbook-legacy-files%2Fo%2Fassets%252F-L_r09305cCOiVsKX4GC%252F-LdgPOCSWkLJZrbvwITY%252F-LdgQP3al66E9w1lmL0_%252F8.2.png%3Falt%3Dmedia%26token%3D87227123-ef9a-449d-924f-f5a1037da194&amp;width=768&amp;dpr=4&amp;quality=100&amp;sign=ebee5154&amp;sv=1">
+            <a:extLst>
+              <a:ext uri="{FF2B5EF4-FFF2-40B4-BE49-F238E27FC236}">
+                <a16:creationId xmlns:a16="http://schemas.microsoft.com/office/drawing/2014/main" id="{6C1689F0-3058-410F-9AE8-BAE20117A02B}"/>
+              </a:ext>
+            </a:extLst>
+          </p:cNvPr>
+          <p:cNvPicPr>
+            <a:picLocks noChangeAspect="1" noChangeArrowheads="1"/>
+          </p:cNvPicPr>
+          <p:nvPr/>
+        </p:nvPicPr>
+        <p:blipFill>
+          <a:blip r:embed="rId3">
+            <a:extLst>
+              <a:ext uri="{28A0092B-C50C-407E-A947-70E740481C1C}">
+                <a14:useLocalDpi xmlns:a14="http://schemas.microsoft.com/office/drawing/2010/main" val="0"/>
+              </a:ext>
+            </a:extLst>
+          </a:blip>
+          <a:srcRect/>
+          <a:stretch>
+            <a:fillRect/>
+          </a:stretch>
+        </p:blipFill>
+        <p:spPr bwMode="auto">
+          <a:xfrm>
+            <a:off x="2854136" y="1761078"/>
+            <a:ext cx="6483727" cy="3855961"/>
+          </a:xfrm>
+          <a:prstGeom prst="rect">
+            <a:avLst/>
+          </a:prstGeom>
+          <a:noFill/>
+          <a:extLst>
+            <a:ext uri="{909E8E84-426E-40DD-AFC4-6F175D3DCCD1}">
+              <a14:hiddenFill xmlns:a14="http://schemas.microsoft.com/office/drawing/2010/main">
+                <a:solidFill>
+                  <a:srgbClr val="FFFFFF"/>
+                </a:solidFill>
+              </a14:hiddenFill>
+            </a:ext>
+          </a:extLst>
+        </p:spPr>
+      </p:pic>
+      <p:sp>
+        <p:nvSpPr>
+          <p:cNvPr id="6" name="文字方塊 5">
+            <a:extLst>
+              <a:ext uri="{FF2B5EF4-FFF2-40B4-BE49-F238E27FC236}">
+                <a16:creationId xmlns:a16="http://schemas.microsoft.com/office/drawing/2014/main" id="{4E3CED79-C66B-4D25-8556-99B316716267}"/>
+              </a:ext>
+            </a:extLst>
+          </p:cNvPr>
+          <p:cNvSpPr txBox="1"/>
+          <p:nvPr/>
+        </p:nvSpPr>
+        <p:spPr>
+          <a:xfrm>
+            <a:off x="2854136" y="717555"/>
+            <a:ext cx="5469622" cy="830997"/>
+          </a:xfrm>
+          <a:prstGeom prst="rect">
+            <a:avLst/>
+          </a:prstGeom>
+          <a:noFill/>
+        </p:spPr>
+        <p:txBody>
+          <a:bodyPr wrap="square" rtlCol="0">
+            <a:spAutoFit/>
+          </a:bodyPr>
+          <a:lstStyle/>
+          <a:p>
+            <a:r>
+              <a:rPr lang="zh-TW" altLang="en-US" sz="4800" b="1" spc="600" dirty="0">
+                <a:solidFill>
+                  <a:schemeClr val="accent2">
+                    <a:lumMod val="75000"/>
+                  </a:schemeClr>
+                </a:solidFill>
+                <a:latin typeface="微軟正黑體" panose="020B0604030504040204" pitchFamily="34" charset="-120"/>
+                <a:ea typeface="微軟正黑體" panose="020B0604030504040204" pitchFamily="34" charset="-120"/>
+              </a:rPr>
+              <a:t>框架是什麼？</a:t>
+            </a:r>
+          </a:p>
+        </p:txBody>
+      </p:sp>
+    </p:spTree>
+    <p:extLst>
+      <p:ext uri="{BB962C8B-B14F-4D97-AF65-F5344CB8AC3E}">
+        <p14:creationId xmlns:p14="http://schemas.microsoft.com/office/powerpoint/2010/main" val="2087141021"/>
+      </p:ext>
+    </p:extLst>
+  </p:cSld>
+  <p:clrMapOvr>
+    <a:masterClrMapping/>
+  </p:clrMapOvr>
+  <mc:AlternateContent xmlns:mc="http://schemas.openxmlformats.org/markup-compatibility/2006" xmlns:p14="http://schemas.microsoft.com/office/powerpoint/2010/main">
+    <mc:Choice Requires="p14">
+      <p:transition spd="slow" p14:dur="2000" advTm="3000"/>
+    </mc:Choice>
+    <mc:Fallback xmlns:p159="http://schemas.microsoft.com/office/powerpoint/2015/09/main" xmlns:p15="http://schemas.microsoft.com/office/powerpoint/2012/main" xmlns:a14="http://schemas.microsoft.com/office/drawing/2010/main" xmlns:wp="http://schemas.openxmlformats.org/drawingml/2006/wordprocessingDrawing" xmlns:w="http://schemas.openxmlformats.org/wordprocessingml/2006/main" xmlns:m="http://schemas.openxmlformats.org/officeDocument/2006/math" xmlns="">
+      <p:transition spd="slow" advTm="3000"/>
+    </mc:Fallback>
+  </mc:AlternateContent>
+</p:sld>
+</file>
+
+<file path=ppt/slides/slide7.xml><?xml version="1.0" encoding="utf-8"?>
+<p:sld xmlns:a="http://schemas.openxmlformats.org/drawingml/2006/main" xmlns:r="http://schemas.openxmlformats.org/officeDocument/2006/relationships" xmlns:p="http://schemas.openxmlformats.org/presentationml/2006/main">
+  <p:cSld>
+    <p:spTree>
+      <p:nvGrpSpPr>
+        <p:cNvPr id="1" name=""/>
+        <p:cNvGrpSpPr/>
+        <p:nvPr/>
+      </p:nvGrpSpPr>
+      <p:grpSpPr>
+        <a:xfrm>
+          <a:off x="0" y="0"/>
+          <a:ext cx="0" cy="0"/>
+          <a:chOff x="0" y="0"/>
+          <a:chExt cx="0" cy="0"/>
+        </a:xfrm>
+      </p:grpSpPr>
+      <p:sp>
+        <p:nvSpPr>
           <p:cNvPr id="3" name="文本框 2">
             <a:extLst>
               <a:ext uri="{FF2B5EF4-FFF2-40B4-BE49-F238E27FC236}">
@@ -10311,7 +11795,7 @@
         </p:spPr>
         <p:txBody>
           <a:bodyPr wrap="square" rtlCol="0">
-            <a:normAutofit/>
+            <a:normAutofit fontScale="92500" lnSpcReduction="10000"/>
           </a:bodyPr>
           <a:lstStyle/>
           <a:p>
@@ -10331,7 +11815,7 @@
                 <a:latin typeface="微軟正黑體" panose="020B0604030504040204" pitchFamily="34" charset="-120"/>
                 <a:ea typeface="微軟正黑體" panose="020B0604030504040204" pitchFamily="34" charset="-120"/>
               </a:rPr>
-              <a:t>● 更快的視圖渲染</a:t>
+              <a:t>● 更直覺的視圖渲染</a:t>
             </a:r>
             <a:endParaRPr lang="en-US" altLang="zh-TW" sz="2800" dirty="0">
               <a:solidFill>
@@ -10368,7 +11852,7 @@
               </a:lnSpc>
             </a:pPr>
             <a:r>
-              <a:rPr lang="zh-TW" altLang="en-US" sz="2800" dirty="0">
+              <a:rPr lang="zh-TW" altLang="en-US" sz="3000" dirty="0">
                 <a:solidFill>
                   <a:schemeClr val="tx1">
                     <a:lumMod val="65000"/>
@@ -10381,7 +11865,7 @@
               <a:t>比起原生的</a:t>
             </a:r>
             <a:r>
-              <a:rPr lang="en-US" altLang="zh-TW" sz="2800" dirty="0">
+              <a:rPr lang="en-US" altLang="zh-TW" sz="3000" dirty="0">
                 <a:solidFill>
                   <a:schemeClr val="tx1">
                     <a:lumMod val="65000"/>
@@ -10394,7 +11878,7 @@
               <a:t>JavaScript &amp; jQuery</a:t>
             </a:r>
             <a:r>
-              <a:rPr lang="zh-TW" altLang="en-US" sz="2800" dirty="0">
+              <a:rPr lang="zh-TW" altLang="en-US" sz="3000" dirty="0">
                 <a:solidFill>
                   <a:schemeClr val="tx1">
                     <a:lumMod val="65000"/>
@@ -10407,7 +11891,7 @@
               <a:t> 語法，</a:t>
             </a:r>
             <a:r>
-              <a:rPr lang="en-US" altLang="zh-TW" sz="2800" dirty="0">
+              <a:rPr lang="en-US" altLang="zh-TW" sz="3000" dirty="0">
                 <a:solidFill>
                   <a:schemeClr val="tx1">
                     <a:lumMod val="65000"/>
@@ -10420,7 +11904,7 @@
               <a:t>Vue</a:t>
             </a:r>
             <a:r>
-              <a:rPr lang="zh-TW" altLang="en-US" sz="2800" dirty="0">
+              <a:rPr lang="zh-TW" altLang="en-US" sz="3000" dirty="0">
                 <a:solidFill>
                   <a:schemeClr val="tx1">
                     <a:lumMod val="65000"/>
@@ -10430,9 +11914,9 @@
                 <a:latin typeface="微軟正黑體" panose="020B0604030504040204" pitchFamily="34" charset="-120"/>
                 <a:ea typeface="微軟正黑體" panose="020B0604030504040204" pitchFamily="34" charset="-120"/>
               </a:rPr>
-              <a:t>框架有雙向綁定的功能，讓使用者也可以去更改物件的值，再配合函式就可以達成實時渲染的效果</a:t>
+              <a:t>框架有雙向綁定的功能，讓開發者可以更直覺更簡單的取得使用者想要更改、新增的資料，搭配上特定的內建語法，藉此可以在視圖渲染上獲得較好的表現。</a:t>
             </a:r>
-            <a:endParaRPr lang="en-US" altLang="zh-TW" sz="2800" u="sng" dirty="0">
+            <a:endParaRPr lang="en-US" altLang="zh-TW" sz="3000" u="sng" dirty="0">
               <a:solidFill>
                 <a:schemeClr val="tx1">
                   <a:lumMod val="65000"/>
@@ -10584,449 +12068,7 @@
     <mc:Choice Requires="p14">
       <p:transition spd="slow" p14:dur="2000" advTm="3000"/>
     </mc:Choice>
-    <mc:Fallback xmlns="" xmlns:m="http://schemas.openxmlformats.org/officeDocument/2006/math" xmlns:w="http://schemas.openxmlformats.org/wordprocessingml/2006/main" xmlns:wp="http://schemas.openxmlformats.org/drawingml/2006/wordprocessingDrawing" xmlns:a14="http://schemas.microsoft.com/office/drawing/2010/main" xmlns:p15="http://schemas.microsoft.com/office/powerpoint/2012/main" xmlns:p159="http://schemas.microsoft.com/office/powerpoint/2015/09/main">
-      <p:transition spd="slow" advTm="3000"/>
-    </mc:Fallback>
-  </mc:AlternateContent>
-  <p:timing>
-    <p:tnLst>
-      <p:par>
-        <p:cTn id="1" dur="indefinite" restart="never" nodeType="tmRoot">
-          <p:childTnLst>
-            <p:seq concurrent="1" nextAc="seek">
-              <p:cTn id="2" dur="indefinite" nodeType="mainSeq">
-                <p:childTnLst>
-                  <p:par>
-                    <p:cTn id="3" fill="hold" nodeType="clickPar">
-                      <p:stCondLst>
-                        <p:cond delay="indefinite"/>
-                        <p:cond evt="onBegin" delay="0">
-                          <p:tn val="2"/>
-                        </p:cond>
-                      </p:stCondLst>
-                      <p:childTnLst>
-                        <p:par>
-                          <p:cTn id="4" fill="hold">
-                            <p:stCondLst>
-                              <p:cond delay="0"/>
-                            </p:stCondLst>
-                            <p:childTnLst>
-                              <p:par>
-                                <p:cTn id="5" presetID="3" presetClass="entr" presetSubtype="10" fill="hold" grpId="0" nodeType="withEffect">
-                                  <p:stCondLst>
-                                    <p:cond delay="0"/>
-                                  </p:stCondLst>
-                                  <p:childTnLst>
-                                    <p:set>
-                                      <p:cBhvr>
-                                        <p:cTn id="6" dur="1" fill="hold">
-                                          <p:stCondLst>
-                                            <p:cond delay="0"/>
-                                          </p:stCondLst>
-                                        </p:cTn>
-                                        <p:tgtEl>
-                                          <p:spTgt spid="3"/>
-                                        </p:tgtEl>
-                                        <p:attrNameLst>
-                                          <p:attrName>style.visibility</p:attrName>
-                                        </p:attrNameLst>
-                                      </p:cBhvr>
-                                      <p:to>
-                                        <p:strVal val="visible"/>
-                                      </p:to>
-                                    </p:set>
-                                    <p:animEffect transition="in" filter="blinds(horizontal)">
-                                      <p:cBhvr>
-                                        <p:cTn id="7" dur="500"/>
-                                        <p:tgtEl>
-                                          <p:spTgt spid="3"/>
-                                        </p:tgtEl>
-                                      </p:cBhvr>
-                                    </p:animEffect>
-                                  </p:childTnLst>
-                                </p:cTn>
-                              </p:par>
-                            </p:childTnLst>
-                          </p:cTn>
-                        </p:par>
-                      </p:childTnLst>
-                    </p:cTn>
-                  </p:par>
-                </p:childTnLst>
-              </p:cTn>
-              <p:prevCondLst>
-                <p:cond evt="onPrev" delay="0">
-                  <p:tgtEl>
-                    <p:sldTgt/>
-                  </p:tgtEl>
-                </p:cond>
-              </p:prevCondLst>
-              <p:nextCondLst>
-                <p:cond evt="onNext" delay="0">
-                  <p:tgtEl>
-                    <p:sldTgt/>
-                  </p:tgtEl>
-                </p:cond>
-              </p:nextCondLst>
-            </p:seq>
-          </p:childTnLst>
-        </p:cTn>
-      </p:par>
-    </p:tnLst>
-    <p:bldLst>
-      <p:bldP spid="3" grpId="0"/>
-    </p:bldLst>
-  </p:timing>
-</p:sld>
-</file>
-
-<file path=ppt/slides/slide7.xml><?xml version="1.0" encoding="utf-8"?>
-<p:sld xmlns:a="http://schemas.openxmlformats.org/drawingml/2006/main" xmlns:r="http://schemas.openxmlformats.org/officeDocument/2006/relationships" xmlns:p="http://schemas.openxmlformats.org/presentationml/2006/main">
-  <p:cSld>
-    <p:spTree>
-      <p:nvGrpSpPr>
-        <p:cNvPr id="1" name=""/>
-        <p:cNvGrpSpPr/>
-        <p:nvPr/>
-      </p:nvGrpSpPr>
-      <p:grpSpPr>
-        <a:xfrm>
-          <a:off x="0" y="0"/>
-          <a:ext cx="0" cy="0"/>
-          <a:chOff x="0" y="0"/>
-          <a:chExt cx="0" cy="0"/>
-        </a:xfrm>
-      </p:grpSpPr>
-      <p:sp>
-        <p:nvSpPr>
-          <p:cNvPr id="3" name="文本框 2">
-            <a:extLst>
-              <a:ext uri="{FF2B5EF4-FFF2-40B4-BE49-F238E27FC236}">
-                <a16:creationId xmlns:a16="http://schemas.microsoft.com/office/drawing/2014/main" id="{9C76BD19-D3B2-AC43-81DB-EA966E64B057}"/>
-              </a:ext>
-            </a:extLst>
-          </p:cNvPr>
-          <p:cNvSpPr txBox="1"/>
-          <p:nvPr/>
-        </p:nvSpPr>
-        <p:spPr>
-          <a:xfrm>
-            <a:off x="3447781" y="1802443"/>
-            <a:ext cx="7596403" cy="3692345"/>
-          </a:xfrm>
-          <a:prstGeom prst="rect">
-            <a:avLst/>
-          </a:prstGeom>
-          <a:noFill/>
-        </p:spPr>
-        <p:txBody>
-          <a:bodyPr wrap="square" rtlCol="0">
-            <a:normAutofit/>
-          </a:bodyPr>
-          <a:lstStyle/>
-          <a:p>
-            <a:pPr>
-              <a:lnSpc>
-                <a:spcPct val="104000"/>
-              </a:lnSpc>
-            </a:pPr>
-            <a:r>
-              <a:rPr lang="zh-TW" altLang="en-US" sz="2800" dirty="0">
-                <a:solidFill>
-                  <a:schemeClr val="tx1">
-                    <a:lumMod val="65000"/>
-                    <a:lumOff val="35000"/>
-                  </a:schemeClr>
-                </a:solidFill>
-                <a:latin typeface="微軟正黑體" panose="020B0604030504040204" pitchFamily="34" charset="-120"/>
-                <a:ea typeface="微軟正黑體" panose="020B0604030504040204" pitchFamily="34" charset="-120"/>
-              </a:rPr>
-              <a:t>● 更簡潔的代碼，更易於維護</a:t>
-            </a:r>
-            <a:endParaRPr lang="en-US" altLang="zh-TW" sz="2800" dirty="0">
-              <a:solidFill>
-                <a:schemeClr val="tx1">
-                  <a:lumMod val="65000"/>
-                  <a:lumOff val="35000"/>
-                </a:schemeClr>
-              </a:solidFill>
-              <a:latin typeface="微軟正黑體" panose="020B0604030504040204" pitchFamily="34" charset="-120"/>
-              <a:ea typeface="微軟正黑體" panose="020B0604030504040204" pitchFamily="34" charset="-120"/>
-            </a:endParaRPr>
-          </a:p>
-          <a:p>
-            <a:pPr>
-              <a:lnSpc>
-                <a:spcPct val="104000"/>
-              </a:lnSpc>
-            </a:pPr>
-            <a:endParaRPr lang="en-US" altLang="zh-TW" sz="2800" dirty="0">
-              <a:solidFill>
-                <a:schemeClr val="tx1">
-                  <a:lumMod val="65000"/>
-                  <a:lumOff val="35000"/>
-                </a:schemeClr>
-              </a:solidFill>
-              <a:latin typeface="微軟正黑體" panose="020B0604030504040204" pitchFamily="34" charset="-120"/>
-              <a:ea typeface="微軟正黑體" panose="020B0604030504040204" pitchFamily="34" charset="-120"/>
-            </a:endParaRPr>
-          </a:p>
-          <a:p>
-            <a:pPr>
-              <a:lnSpc>
-                <a:spcPct val="104000"/>
-              </a:lnSpc>
-            </a:pPr>
-            <a:r>
-              <a:rPr lang="zh-TW" altLang="en-US" sz="2800" dirty="0">
-                <a:solidFill>
-                  <a:schemeClr val="tx1">
-                    <a:lumMod val="65000"/>
-                    <a:lumOff val="35000"/>
-                  </a:schemeClr>
-                </a:solidFill>
-                <a:latin typeface="微軟正黑體" panose="020B0604030504040204" pitchFamily="34" charset="-120"/>
-                <a:ea typeface="微軟正黑體" panose="020B0604030504040204" pitchFamily="34" charset="-120"/>
-              </a:rPr>
-              <a:t>在原生的</a:t>
-            </a:r>
-            <a:r>
-              <a:rPr lang="en-US" altLang="zh-TW" sz="2800" dirty="0">
-                <a:solidFill>
-                  <a:schemeClr val="tx1">
-                    <a:lumMod val="65000"/>
-                    <a:lumOff val="35000"/>
-                  </a:schemeClr>
-                </a:solidFill>
-                <a:latin typeface="微軟正黑體" panose="020B0604030504040204" pitchFamily="34" charset="-120"/>
-                <a:ea typeface="微軟正黑體" panose="020B0604030504040204" pitchFamily="34" charset="-120"/>
-              </a:rPr>
-              <a:t>JavaScript &amp; jQuery</a:t>
-            </a:r>
-            <a:r>
-              <a:rPr lang="zh-TW" altLang="en-US" sz="2800" dirty="0">
-                <a:solidFill>
-                  <a:schemeClr val="tx1">
-                    <a:lumMod val="65000"/>
-                    <a:lumOff val="35000"/>
-                  </a:schemeClr>
-                </a:solidFill>
-                <a:latin typeface="微軟正黑體" panose="020B0604030504040204" pitchFamily="34" charset="-120"/>
-                <a:ea typeface="微軟正黑體" panose="020B0604030504040204" pitchFamily="34" charset="-120"/>
-              </a:rPr>
-              <a:t> 語法中，想要實現需求，需要手動更新</a:t>
-            </a:r>
-            <a:r>
-              <a:rPr lang="en-US" altLang="zh-TW" sz="2800" dirty="0">
-                <a:solidFill>
-                  <a:schemeClr val="tx1">
-                    <a:lumMod val="65000"/>
-                    <a:lumOff val="35000"/>
-                  </a:schemeClr>
-                </a:solidFill>
-                <a:latin typeface="微軟正黑體" panose="020B0604030504040204" pitchFamily="34" charset="-120"/>
-                <a:ea typeface="微軟正黑體" panose="020B0604030504040204" pitchFamily="34" charset="-120"/>
-              </a:rPr>
-              <a:t>DOM</a:t>
-            </a:r>
-            <a:r>
-              <a:rPr lang="zh-TW" altLang="en-US" sz="2800" dirty="0">
-                <a:solidFill>
-                  <a:schemeClr val="tx1">
-                    <a:lumMod val="65000"/>
-                    <a:lumOff val="35000"/>
-                  </a:schemeClr>
-                </a:solidFill>
-                <a:latin typeface="微軟正黑體" panose="020B0604030504040204" pitchFamily="34" charset="-120"/>
-                <a:ea typeface="微軟正黑體" panose="020B0604030504040204" pitchFamily="34" charset="-120"/>
-              </a:rPr>
-              <a:t>去做更改，而在</a:t>
-            </a:r>
-            <a:r>
-              <a:rPr lang="en-US" altLang="zh-TW" sz="2800" dirty="0">
-                <a:solidFill>
-                  <a:schemeClr val="tx1">
-                    <a:lumMod val="65000"/>
-                    <a:lumOff val="35000"/>
-                  </a:schemeClr>
-                </a:solidFill>
-                <a:latin typeface="微軟正黑體" panose="020B0604030504040204" pitchFamily="34" charset="-120"/>
-                <a:ea typeface="微軟正黑體" panose="020B0604030504040204" pitchFamily="34" charset="-120"/>
-              </a:rPr>
-              <a:t>Vue</a:t>
-            </a:r>
-            <a:r>
-              <a:rPr lang="zh-TW" altLang="en-US" sz="2800" dirty="0">
-                <a:solidFill>
-                  <a:schemeClr val="tx1">
-                    <a:lumMod val="65000"/>
-                    <a:lumOff val="35000"/>
-                  </a:schemeClr>
-                </a:solidFill>
-                <a:latin typeface="微軟正黑體" panose="020B0604030504040204" pitchFamily="34" charset="-120"/>
-                <a:ea typeface="微軟正黑體" panose="020B0604030504040204" pitchFamily="34" charset="-120"/>
-              </a:rPr>
-              <a:t>中，只需要重點關注在數據資料的更改、邏輯是否合適，視圖的更新</a:t>
-            </a:r>
-            <a:r>
-              <a:rPr lang="en-US" altLang="zh-TW" sz="2800" dirty="0">
-                <a:solidFill>
-                  <a:schemeClr val="tx1">
-                    <a:lumMod val="65000"/>
-                    <a:lumOff val="35000"/>
-                  </a:schemeClr>
-                </a:solidFill>
-                <a:latin typeface="微軟正黑體" panose="020B0604030504040204" pitchFamily="34" charset="-120"/>
-                <a:ea typeface="微軟正黑體" panose="020B0604030504040204" pitchFamily="34" charset="-120"/>
-              </a:rPr>
-              <a:t>Vue</a:t>
-            </a:r>
-            <a:r>
-              <a:rPr lang="zh-TW" altLang="en-US" sz="2800" dirty="0">
-                <a:solidFill>
-                  <a:schemeClr val="tx1">
-                    <a:lumMod val="65000"/>
-                    <a:lumOff val="35000"/>
-                  </a:schemeClr>
-                </a:solidFill>
-                <a:latin typeface="微軟正黑體" panose="020B0604030504040204" pitchFamily="34" charset="-120"/>
-                <a:ea typeface="微軟正黑體" panose="020B0604030504040204" pitchFamily="34" charset="-120"/>
-              </a:rPr>
-              <a:t>會自動去更改。</a:t>
-            </a:r>
-            <a:endParaRPr lang="en-US" altLang="zh-TW" sz="2800" dirty="0">
-              <a:solidFill>
-                <a:schemeClr val="tx1">
-                  <a:lumMod val="65000"/>
-                  <a:lumOff val="35000"/>
-                </a:schemeClr>
-              </a:solidFill>
-              <a:latin typeface="微軟正黑體" panose="020B0604030504040204" pitchFamily="34" charset="-120"/>
-              <a:ea typeface="微軟正黑體" panose="020B0604030504040204" pitchFamily="34" charset="-120"/>
-            </a:endParaRPr>
-          </a:p>
-          <a:p>
-            <a:pPr>
-              <a:lnSpc>
-                <a:spcPct val="104000"/>
-              </a:lnSpc>
-            </a:pPr>
-            <a:r>
-              <a:rPr lang="en-US" altLang="zh-TW" sz="2800" dirty="0">
-                <a:solidFill>
-                  <a:schemeClr val="tx1">
-                    <a:lumMod val="65000"/>
-                    <a:lumOff val="35000"/>
-                  </a:schemeClr>
-                </a:solidFill>
-                <a:latin typeface="微軟正黑體" panose="020B0604030504040204" pitchFamily="34" charset="-120"/>
-                <a:ea typeface="微軟正黑體" panose="020B0604030504040204" pitchFamily="34" charset="-120"/>
-              </a:rPr>
-              <a:t>	</a:t>
-            </a:r>
-          </a:p>
-        </p:txBody>
-      </p:sp>
-      <p:sp>
-        <p:nvSpPr>
-          <p:cNvPr id="26" name="文本框 25">
-            <a:extLst>
-              <a:ext uri="{FF2B5EF4-FFF2-40B4-BE49-F238E27FC236}">
-                <a16:creationId xmlns:a16="http://schemas.microsoft.com/office/drawing/2014/main" id="{538F618A-4C6F-1F4F-82A2-D027BFED479A}"/>
-              </a:ext>
-            </a:extLst>
-          </p:cNvPr>
-          <p:cNvSpPr txBox="1"/>
-          <p:nvPr/>
-        </p:nvSpPr>
-        <p:spPr>
-          <a:xfrm>
-            <a:off x="804791" y="79203"/>
-            <a:ext cx="2642990" cy="518160"/>
-          </a:xfrm>
-          <a:prstGeom prst="rect">
-            <a:avLst/>
-          </a:prstGeom>
-          <a:noFill/>
-        </p:spPr>
-        <p:txBody>
-          <a:bodyPr wrap="square" rtlCol="0">
-            <a:normAutofit/>
-          </a:bodyPr>
-          <a:lstStyle/>
-          <a:p>
-            <a:pPr algn="dist"/>
-            <a:r>
-              <a:rPr kumimoji="1" lang="zh-TW" altLang="en-US" sz="2800" b="1" dirty="0">
-                <a:solidFill>
-                  <a:schemeClr val="tx1">
-                    <a:lumMod val="75000"/>
-                    <a:lumOff val="25000"/>
-                  </a:schemeClr>
-                </a:solidFill>
-                <a:latin typeface="微軟正黑體" panose="020B0604030504040204" pitchFamily="34" charset="-120"/>
-                <a:ea typeface="微軟正黑體" panose="020B0604030504040204" pitchFamily="34" charset="-120"/>
-              </a:rPr>
-              <a:t>使用工具</a:t>
-            </a:r>
-            <a:endParaRPr kumimoji="1" lang="zh-TW" altLang="zh-TW" sz="2800" b="1" dirty="0">
-              <a:solidFill>
-                <a:schemeClr val="tx1">
-                  <a:lumMod val="75000"/>
-                  <a:lumOff val="25000"/>
-                </a:schemeClr>
-              </a:solidFill>
-              <a:latin typeface="微軟正黑體" panose="020B0604030504040204" pitchFamily="34" charset="-120"/>
-              <a:ea typeface="微軟正黑體" panose="020B0604030504040204" pitchFamily="34" charset="-120"/>
-            </a:endParaRPr>
-          </a:p>
-        </p:txBody>
-      </p:sp>
-      <p:pic>
-        <p:nvPicPr>
-          <p:cNvPr id="28" name="圖片 27">
-            <a:extLst>
-              <a:ext uri="{FF2B5EF4-FFF2-40B4-BE49-F238E27FC236}">
-                <a16:creationId xmlns:a16="http://schemas.microsoft.com/office/drawing/2014/main" id="{BEFF925E-8F7C-4D96-8964-D5DBB2082D20}"/>
-              </a:ext>
-            </a:extLst>
-          </p:cNvPr>
-          <p:cNvPicPr>
-            <a:picLocks noChangeAspect="1"/>
-          </p:cNvPicPr>
-          <p:nvPr/>
-        </p:nvPicPr>
-        <p:blipFill>
-          <a:blip r:embed="rId3"/>
-          <a:stretch>
-            <a:fillRect/>
-          </a:stretch>
-        </p:blipFill>
-        <p:spPr>
-          <a:xfrm>
-            <a:off x="1562504" y="2530991"/>
-            <a:ext cx="1759442" cy="1980574"/>
-          </a:xfrm>
-          <a:prstGeom prst="rect">
-            <a:avLst/>
-          </a:prstGeom>
-        </p:spPr>
-      </p:pic>
-    </p:spTree>
-    <p:extLst>
-      <p:ext uri="{BB962C8B-B14F-4D97-AF65-F5344CB8AC3E}">
-        <p14:creationId xmlns:p14="http://schemas.microsoft.com/office/powerpoint/2010/main" val="3194138121"/>
-      </p:ext>
-    </p:extLst>
-  </p:cSld>
-  <p:clrMapOvr>
-    <a:masterClrMapping/>
-  </p:clrMapOvr>
-  <mc:AlternateContent xmlns:mc="http://schemas.openxmlformats.org/markup-compatibility/2006" xmlns:p14="http://schemas.microsoft.com/office/powerpoint/2010/main">
-    <mc:Choice Requires="p14">
-      <p:transition spd="slow" p14:dur="2000" advTm="3000"/>
-    </mc:Choice>
-    <mc:Fallback xmlns="" xmlns:m="http://schemas.openxmlformats.org/officeDocument/2006/math" xmlns:w="http://schemas.openxmlformats.org/wordprocessingml/2006/main" xmlns:wp="http://schemas.openxmlformats.org/drawingml/2006/wordprocessingDrawing" xmlns:a14="http://schemas.microsoft.com/office/drawing/2010/main" xmlns:p15="http://schemas.microsoft.com/office/powerpoint/2012/main" xmlns:p159="http://schemas.microsoft.com/office/powerpoint/2015/09/main">
+    <mc:Fallback xmlns:p159="http://schemas.microsoft.com/office/powerpoint/2015/09/main" xmlns:p15="http://schemas.microsoft.com/office/powerpoint/2012/main" xmlns:a14="http://schemas.microsoft.com/office/drawing/2010/main" xmlns:wp="http://schemas.openxmlformats.org/drawingml/2006/wordprocessingDrawing" xmlns:w="http://schemas.openxmlformats.org/wordprocessingml/2006/main" xmlns:m="http://schemas.openxmlformats.org/officeDocument/2006/math" xmlns="">
       <p:transition spd="slow" advTm="3000"/>
     </mc:Fallback>
   </mc:AlternateContent>
@@ -11125,24 +12167,6 @@
 <file path=ppt/slides/slide8.xml><?xml version="1.0" encoding="utf-8"?>
 <p:sld xmlns:a="http://schemas.openxmlformats.org/drawingml/2006/main" xmlns:r="http://schemas.openxmlformats.org/officeDocument/2006/relationships" xmlns:p="http://schemas.openxmlformats.org/presentationml/2006/main">
   <p:cSld>
-    <p:bg>
-      <p:bgPr>
-        <a:blipFill dpi="0" rotWithShape="1">
-          <a:blip r:embed="rId3">
-            <a:lum/>
-            <a:extLst>
-              <a:ext uri="{28A0092B-C50C-407E-A947-70E740481C1C}">
-                <a14:useLocalDpi xmlns:a14="http://schemas.microsoft.com/office/drawing/2010/main"/>
-              </a:ext>
-            </a:extLst>
-          </a:blip>
-          <a:stretch>
-            <a:fillRect/>
-          </a:stretch>
-        </a:blipFill>
-        <a:effectLst/>
-      </p:bgPr>
-    </p:bg>
     <p:spTree>
       <p:nvGrpSpPr>
         <p:cNvPr id="1" name=""/>
@@ -11159,10 +12183,10 @@
       </p:grpSpPr>
       <p:sp>
         <p:nvSpPr>
-          <p:cNvPr id="2" name="文本框 1">
+          <p:cNvPr id="3" name="文本框 2">
             <a:extLst>
               <a:ext uri="{FF2B5EF4-FFF2-40B4-BE49-F238E27FC236}">
-                <a16:creationId xmlns:a16="http://schemas.microsoft.com/office/drawing/2014/main" id="{6EDE4976-455F-4A4E-8EFF-10C9C8B99481}"/>
+                <a16:creationId xmlns:a16="http://schemas.microsoft.com/office/drawing/2014/main" id="{9C76BD19-D3B2-AC43-81DB-EA966E64B057}"/>
               </a:ext>
             </a:extLst>
           </p:cNvPr>
@@ -11171,8 +12195,238 @@
         </p:nvSpPr>
         <p:spPr>
           <a:xfrm>
-            <a:off x="2832122" y="2839242"/>
-            <a:ext cx="7299011" cy="1188720"/>
+            <a:off x="3447781" y="1802443"/>
+            <a:ext cx="7596403" cy="3692345"/>
+          </a:xfrm>
+          <a:prstGeom prst="rect">
+            <a:avLst/>
+          </a:prstGeom>
+          <a:noFill/>
+        </p:spPr>
+        <p:txBody>
+          <a:bodyPr wrap="square" rtlCol="0">
+            <a:normAutofit/>
+          </a:bodyPr>
+          <a:lstStyle/>
+          <a:p>
+            <a:pPr>
+              <a:lnSpc>
+                <a:spcPct val="104000"/>
+              </a:lnSpc>
+            </a:pPr>
+            <a:r>
+              <a:rPr lang="zh-TW" altLang="en-US" sz="2800" dirty="0">
+                <a:solidFill>
+                  <a:schemeClr val="tx1">
+                    <a:lumMod val="65000"/>
+                    <a:lumOff val="35000"/>
+                  </a:schemeClr>
+                </a:solidFill>
+                <a:latin typeface="微軟正黑體" panose="020B0604030504040204" pitchFamily="34" charset="-120"/>
+                <a:ea typeface="微軟正黑體" panose="020B0604030504040204" pitchFamily="34" charset="-120"/>
+              </a:rPr>
+              <a:t>● 更簡潔的代碼，更易於維護</a:t>
+            </a:r>
+            <a:endParaRPr lang="en-US" altLang="zh-TW" sz="2800" dirty="0">
+              <a:solidFill>
+                <a:schemeClr val="tx1">
+                  <a:lumMod val="65000"/>
+                  <a:lumOff val="35000"/>
+                </a:schemeClr>
+              </a:solidFill>
+              <a:latin typeface="微軟正黑體" panose="020B0604030504040204" pitchFamily="34" charset="-120"/>
+              <a:ea typeface="微軟正黑體" panose="020B0604030504040204" pitchFamily="34" charset="-120"/>
+            </a:endParaRPr>
+          </a:p>
+          <a:p>
+            <a:pPr>
+              <a:lnSpc>
+                <a:spcPct val="104000"/>
+              </a:lnSpc>
+            </a:pPr>
+            <a:endParaRPr lang="en-US" altLang="zh-TW" sz="2800" dirty="0">
+              <a:solidFill>
+                <a:schemeClr val="tx1">
+                  <a:lumMod val="65000"/>
+                  <a:lumOff val="35000"/>
+                </a:schemeClr>
+              </a:solidFill>
+              <a:latin typeface="微軟正黑體" panose="020B0604030504040204" pitchFamily="34" charset="-120"/>
+              <a:ea typeface="微軟正黑體" panose="020B0604030504040204" pitchFamily="34" charset="-120"/>
+            </a:endParaRPr>
+          </a:p>
+          <a:p>
+            <a:pPr>
+              <a:lnSpc>
+                <a:spcPct val="104000"/>
+              </a:lnSpc>
+            </a:pPr>
+            <a:r>
+              <a:rPr lang="zh-TW" altLang="en-US" sz="2800" dirty="0">
+                <a:solidFill>
+                  <a:schemeClr val="tx1">
+                    <a:lumMod val="65000"/>
+                    <a:lumOff val="35000"/>
+                  </a:schemeClr>
+                </a:solidFill>
+                <a:latin typeface="微軟正黑體" panose="020B0604030504040204" pitchFamily="34" charset="-120"/>
+                <a:ea typeface="微軟正黑體" panose="020B0604030504040204" pitchFamily="34" charset="-120"/>
+              </a:rPr>
+              <a:t>在原生的</a:t>
+            </a:r>
+            <a:r>
+              <a:rPr lang="en-US" altLang="zh-TW" sz="2800" dirty="0">
+                <a:solidFill>
+                  <a:schemeClr val="tx1">
+                    <a:lumMod val="65000"/>
+                    <a:lumOff val="35000"/>
+                  </a:schemeClr>
+                </a:solidFill>
+                <a:latin typeface="微軟正黑體" panose="020B0604030504040204" pitchFamily="34" charset="-120"/>
+                <a:ea typeface="微軟正黑體" panose="020B0604030504040204" pitchFamily="34" charset="-120"/>
+              </a:rPr>
+              <a:t>JavaScript &amp; jQuery</a:t>
+            </a:r>
+            <a:r>
+              <a:rPr lang="zh-TW" altLang="en-US" sz="2800" dirty="0">
+                <a:solidFill>
+                  <a:schemeClr val="tx1">
+                    <a:lumMod val="65000"/>
+                    <a:lumOff val="35000"/>
+                  </a:schemeClr>
+                </a:solidFill>
+                <a:latin typeface="微軟正黑體" panose="020B0604030504040204" pitchFamily="34" charset="-120"/>
+                <a:ea typeface="微軟正黑體" panose="020B0604030504040204" pitchFamily="34" charset="-120"/>
+              </a:rPr>
+              <a:t> 語法中，想要實現需求，需要手動更新</a:t>
+            </a:r>
+            <a:r>
+              <a:rPr lang="en-US" altLang="zh-TW" sz="2800" dirty="0">
+                <a:solidFill>
+                  <a:schemeClr val="tx1">
+                    <a:lumMod val="65000"/>
+                    <a:lumOff val="35000"/>
+                  </a:schemeClr>
+                </a:solidFill>
+                <a:latin typeface="微軟正黑體" panose="020B0604030504040204" pitchFamily="34" charset="-120"/>
+                <a:ea typeface="微軟正黑體" panose="020B0604030504040204" pitchFamily="34" charset="-120"/>
+              </a:rPr>
+              <a:t>DOM</a:t>
+            </a:r>
+            <a:r>
+              <a:rPr lang="zh-TW" altLang="en-US" sz="2800" dirty="0">
+                <a:solidFill>
+                  <a:schemeClr val="tx1">
+                    <a:lumMod val="65000"/>
+                    <a:lumOff val="35000"/>
+                  </a:schemeClr>
+                </a:solidFill>
+                <a:latin typeface="微軟正黑體" panose="020B0604030504040204" pitchFamily="34" charset="-120"/>
+                <a:ea typeface="微軟正黑體" panose="020B0604030504040204" pitchFamily="34" charset="-120"/>
+              </a:rPr>
+              <a:t>去做更改，而在</a:t>
+            </a:r>
+            <a:r>
+              <a:rPr lang="en-US" altLang="zh-TW" sz="2800" dirty="0">
+                <a:solidFill>
+                  <a:schemeClr val="tx1">
+                    <a:lumMod val="65000"/>
+                    <a:lumOff val="35000"/>
+                  </a:schemeClr>
+                </a:solidFill>
+                <a:latin typeface="微軟正黑體" panose="020B0604030504040204" pitchFamily="34" charset="-120"/>
+                <a:ea typeface="微軟正黑體" panose="020B0604030504040204" pitchFamily="34" charset="-120"/>
+              </a:rPr>
+              <a:t>Vue</a:t>
+            </a:r>
+            <a:r>
+              <a:rPr lang="zh-TW" altLang="en-US" sz="2800" dirty="0">
+                <a:solidFill>
+                  <a:schemeClr val="tx1">
+                    <a:lumMod val="65000"/>
+                    <a:lumOff val="35000"/>
+                  </a:schemeClr>
+                </a:solidFill>
+                <a:latin typeface="微軟正黑體" panose="020B0604030504040204" pitchFamily="34" charset="-120"/>
+                <a:ea typeface="微軟正黑體" panose="020B0604030504040204" pitchFamily="34" charset="-120"/>
+              </a:rPr>
+              <a:t>中，只需要重點關注在數據資料的更改、邏輯是否合適，開發者可以省略許多</a:t>
+            </a:r>
+            <a:r>
+              <a:rPr lang="en-US" altLang="zh-TW" sz="2800" dirty="0">
+                <a:solidFill>
+                  <a:schemeClr val="tx1">
+                    <a:lumMod val="65000"/>
+                    <a:lumOff val="35000"/>
+                  </a:schemeClr>
+                </a:solidFill>
+                <a:latin typeface="微軟正黑體" panose="020B0604030504040204" pitchFamily="34" charset="-120"/>
+                <a:ea typeface="微軟正黑體" panose="020B0604030504040204" pitchFamily="34" charset="-120"/>
+              </a:rPr>
+              <a:t>DOM</a:t>
+            </a:r>
+            <a:r>
+              <a:rPr lang="zh-TW" altLang="en-US" sz="2800" dirty="0">
+                <a:solidFill>
+                  <a:schemeClr val="tx1">
+                    <a:lumMod val="65000"/>
+                    <a:lumOff val="35000"/>
+                  </a:schemeClr>
+                </a:solidFill>
+                <a:latin typeface="微軟正黑體" panose="020B0604030504040204" pitchFamily="34" charset="-120"/>
+                <a:ea typeface="微軟正黑體" panose="020B0604030504040204" pitchFamily="34" charset="-120"/>
+              </a:rPr>
+              <a:t>的手動操作。</a:t>
+            </a:r>
+            <a:endParaRPr lang="en-US" altLang="zh-TW" sz="2800" dirty="0">
+              <a:solidFill>
+                <a:schemeClr val="tx1">
+                  <a:lumMod val="65000"/>
+                  <a:lumOff val="35000"/>
+                </a:schemeClr>
+              </a:solidFill>
+              <a:latin typeface="微軟正黑體" panose="020B0604030504040204" pitchFamily="34" charset="-120"/>
+              <a:ea typeface="微軟正黑體" panose="020B0604030504040204" pitchFamily="34" charset="-120"/>
+            </a:endParaRPr>
+          </a:p>
+          <a:p>
+            <a:pPr>
+              <a:lnSpc>
+                <a:spcPct val="104000"/>
+              </a:lnSpc>
+            </a:pPr>
+            <a:r>
+              <a:rPr lang="en-US" altLang="zh-TW" sz="2800" dirty="0">
+                <a:solidFill>
+                  <a:schemeClr val="tx1">
+                    <a:lumMod val="65000"/>
+                    <a:lumOff val="35000"/>
+                  </a:schemeClr>
+                </a:solidFill>
+                <a:latin typeface="微軟正黑體" panose="020B0604030504040204" pitchFamily="34" charset="-120"/>
+                <a:ea typeface="微軟正黑體" panose="020B0604030504040204" pitchFamily="34" charset="-120"/>
+              </a:rPr>
+              <a:t>	</a:t>
+            </a:r>
+          </a:p>
+        </p:txBody>
+      </p:sp>
+      <p:sp>
+        <p:nvSpPr>
+          <p:cNvPr id="26" name="文本框 25">
+            <a:extLst>
+              <a:ext uri="{FF2B5EF4-FFF2-40B4-BE49-F238E27FC236}">
+                <a16:creationId xmlns:a16="http://schemas.microsoft.com/office/drawing/2014/main" id="{538F618A-4C6F-1F4F-82A2-D027BFED479A}"/>
+              </a:ext>
+            </a:extLst>
+          </p:cNvPr>
+          <p:cNvSpPr txBox="1"/>
+          <p:nvPr/>
+        </p:nvSpPr>
+        <p:spPr>
+          <a:xfrm>
+            <a:off x="804791" y="79203"/>
+            <a:ext cx="2642990" cy="518160"/>
           </a:xfrm>
           <a:prstGeom prst="rect">
             <a:avLst/>
@@ -11187,7 +12441,7 @@
           <a:p>
             <a:pPr algn="dist"/>
             <a:r>
-              <a:rPr kumimoji="1" lang="zh-TW" altLang="en-US" sz="7200" b="1" dirty="0">
+              <a:rPr kumimoji="1" lang="zh-TW" altLang="en-US" sz="2800" b="1" dirty="0">
                 <a:solidFill>
                   <a:schemeClr val="tx1">
                     <a:lumMod val="75000"/>
@@ -11197,9 +12451,9 @@
                 <a:latin typeface="微軟正黑體" panose="020B0604030504040204" pitchFamily="34" charset="-120"/>
                 <a:ea typeface="微軟正黑體" panose="020B0604030504040204" pitchFamily="34" charset="-120"/>
               </a:rPr>
-              <a:t>成果展示</a:t>
+              <a:t>使用工具</a:t>
             </a:r>
-            <a:endParaRPr kumimoji="1" lang="zh-TW" altLang="zh-TW" sz="7200" b="1" dirty="0">
+            <a:endParaRPr kumimoji="1" lang="zh-TW" altLang="zh-TW" sz="2800" b="1" dirty="0">
               <a:solidFill>
                 <a:schemeClr val="tx1">
                   <a:lumMod val="75000"/>
@@ -11212,110 +12466,40 @@
           </a:p>
         </p:txBody>
       </p:sp>
-      <p:sp>
-        <p:nvSpPr>
-          <p:cNvPr id="3" name="文本框 2">
+      <p:pic>
+        <p:nvPicPr>
+          <p:cNvPr id="28" name="圖片 27">
             <a:extLst>
               <a:ext uri="{FF2B5EF4-FFF2-40B4-BE49-F238E27FC236}">
-                <a16:creationId xmlns:a16="http://schemas.microsoft.com/office/drawing/2014/main" id="{B9ED8401-449B-1D40-8AB9-7C7E338570A7}"/>
+                <a16:creationId xmlns:a16="http://schemas.microsoft.com/office/drawing/2014/main" id="{BEFF925E-8F7C-4D96-8964-D5DBB2082D20}"/>
               </a:ext>
             </a:extLst>
           </p:cNvPr>
-          <p:cNvSpPr txBox="1"/>
+          <p:cNvPicPr>
+            <a:picLocks noChangeAspect="1"/>
+          </p:cNvPicPr>
           <p:nvPr/>
-        </p:nvSpPr>
+        </p:nvPicPr>
+        <p:blipFill>
+          <a:blip r:embed="rId3"/>
+          <a:stretch>
+            <a:fillRect/>
+          </a:stretch>
+        </p:blipFill>
         <p:spPr>
           <a:xfrm>
-            <a:off x="5667141" y="2202740"/>
-            <a:ext cx="1399426" cy="461772"/>
+            <a:off x="1562504" y="2530991"/>
+            <a:ext cx="1759442" cy="1980574"/>
           </a:xfrm>
           <a:prstGeom prst="rect">
             <a:avLst/>
           </a:prstGeom>
-          <a:noFill/>
         </p:spPr>
-        <p:txBody>
-          <a:bodyPr wrap="none" rtlCol="0">
-            <a:normAutofit/>
-          </a:bodyPr>
-          <a:lstStyle/>
-          <a:p>
-            <a:r>
-              <a:rPr kumimoji="1" lang="zh-TW" altLang="zh-TW" sz="2400" b="1" dirty="0">
-                <a:solidFill>
-                  <a:schemeClr val="tx1">
-                    <a:lumMod val="75000"/>
-                    <a:lumOff val="25000"/>
-                  </a:schemeClr>
-                </a:solidFill>
-                <a:latin typeface="微軟正黑體" panose="020B0604030504040204" pitchFamily="34" charset="-120"/>
-                <a:ea typeface="微軟正黑體" panose="020B0604030504040204" pitchFamily="34" charset="-120"/>
-              </a:rPr>
-              <a:t>PART 02</a:t>
-            </a:r>
-            <a:endParaRPr kumimoji="1" lang="zh-CN" altLang="en-US" sz="2800" b="1" dirty="0">
-              <a:solidFill>
-                <a:schemeClr val="tx1">
-                  <a:lumMod val="75000"/>
-                  <a:lumOff val="25000"/>
-                </a:schemeClr>
-              </a:solidFill>
-              <a:latin typeface="微軟正黑體" panose="020B0604030504040204" pitchFamily="34" charset="-120"/>
-              <a:ea typeface="微軟正黑體" panose="020B0604030504040204" pitchFamily="34" charset="-120"/>
-            </a:endParaRPr>
-          </a:p>
-        </p:txBody>
-      </p:sp>
-      <p:sp>
-        <p:nvSpPr>
-          <p:cNvPr id="4" name="文本框 3">
-            <a:extLst>
-              <a:ext uri="{FF2B5EF4-FFF2-40B4-BE49-F238E27FC236}">
-                <a16:creationId xmlns:a16="http://schemas.microsoft.com/office/drawing/2014/main" id="{57A19EA5-8DCE-C34E-A5D3-6018EA31F0C1}"/>
-              </a:ext>
-            </a:extLst>
-          </p:cNvPr>
-          <p:cNvSpPr txBox="1"/>
-          <p:nvPr/>
-        </p:nvSpPr>
-        <p:spPr>
-          <a:xfrm>
-            <a:off x="3037638" y="4092578"/>
-            <a:ext cx="6887978" cy="232995"/>
-          </a:xfrm>
-          <a:prstGeom prst="rect">
-            <a:avLst/>
-          </a:prstGeom>
-          <a:noFill/>
-        </p:spPr>
-        <p:txBody>
-          <a:bodyPr wrap="square" rtlCol="0">
-            <a:normAutofit/>
-          </a:bodyPr>
-          <a:lstStyle/>
-          <a:p>
-            <a:pPr algn="ctr">
-              <a:lnSpc>
-                <a:spcPct val="104000"/>
-              </a:lnSpc>
-            </a:pPr>
-            <a:endParaRPr lang="zh-TW" altLang="zh-TW" sz="900" dirty="0">
-              <a:solidFill>
-                <a:schemeClr val="tx1">
-                  <a:lumMod val="65000"/>
-                  <a:lumOff val="35000"/>
-                </a:schemeClr>
-              </a:solidFill>
-              <a:latin typeface="微軟正黑體" panose="020B0604030504040204" pitchFamily="34" charset="-120"/>
-              <a:ea typeface="微軟正黑體" panose="020B0604030504040204" pitchFamily="34" charset="-120"/>
-            </a:endParaRPr>
-          </a:p>
-        </p:txBody>
-      </p:sp>
+      </p:pic>
     </p:spTree>
     <p:extLst>
       <p:ext uri="{BB962C8B-B14F-4D97-AF65-F5344CB8AC3E}">
-        <p14:creationId xmlns:p14="http://schemas.microsoft.com/office/powerpoint/2010/main" val="1745588794"/>
+        <p14:creationId xmlns:p14="http://schemas.microsoft.com/office/powerpoint/2010/main" val="3194138121"/>
       </p:ext>
     </p:extLst>
   </p:cSld>
@@ -11326,7 +12510,7 @@
     <mc:Choice Requires="p14">
       <p:transition spd="slow" p14:dur="2000" advTm="3000"/>
     </mc:Choice>
-    <mc:Fallback xmlns="" xmlns:m="http://schemas.openxmlformats.org/officeDocument/2006/math" xmlns:w="http://schemas.openxmlformats.org/wordprocessingml/2006/main" xmlns:wp="http://schemas.openxmlformats.org/drawingml/2006/wordprocessingDrawing" xmlns:a14="http://schemas.microsoft.com/office/drawing/2010/main" xmlns:p15="http://schemas.microsoft.com/office/powerpoint/2012/main" xmlns:p159="http://schemas.microsoft.com/office/powerpoint/2015/09/main">
+    <mc:Fallback xmlns:p159="http://schemas.microsoft.com/office/powerpoint/2015/09/main" xmlns:p15="http://schemas.microsoft.com/office/powerpoint/2012/main" xmlns:a14="http://schemas.microsoft.com/office/drawing/2010/main" xmlns:wp="http://schemas.openxmlformats.org/drawingml/2006/wordprocessingDrawing" xmlns:w="http://schemas.openxmlformats.org/wordprocessingml/2006/main" xmlns:m="http://schemas.openxmlformats.org/officeDocument/2006/math" xmlns="">
       <p:transition spd="slow" advTm="3000"/>
     </mc:Fallback>
   </mc:AlternateContent>
@@ -11342,6 +12526,9 @@
                     <p:cTn id="3" fill="hold" nodeType="clickPar">
                       <p:stCondLst>
                         <p:cond delay="indefinite"/>
+                        <p:cond evt="onBegin" delay="0">
+                          <p:tn val="2"/>
+                        </p:cond>
                       </p:stCondLst>
                       <p:childTnLst>
                         <p:par>
@@ -11351,7 +12538,7 @@
                             </p:stCondLst>
                             <p:childTnLst>
                               <p:par>
-                                <p:cTn id="5" presetID="9" presetClass="entr" presetSubtype="0" fill="hold" grpId="0" nodeType="clickEffect">
+                                <p:cTn id="5" presetID="3" presetClass="entr" presetSubtype="10" fill="hold" grpId="0" nodeType="withEffect">
                                   <p:stCondLst>
                                     <p:cond delay="0"/>
                                   </p:stCondLst>
@@ -11359,41 +12546,6 @@
                                     <p:set>
                                       <p:cBhvr>
                                         <p:cTn id="6" dur="1" fill="hold">
-                                          <p:stCondLst>
-                                            <p:cond delay="0"/>
-                                          </p:stCondLst>
-                                        </p:cTn>
-                                        <p:tgtEl>
-                                          <p:spTgt spid="2"/>
-                                        </p:tgtEl>
-                                        <p:attrNameLst>
-                                          <p:attrName>style.visibility</p:attrName>
-                                        </p:attrNameLst>
-                                      </p:cBhvr>
-                                      <p:to>
-                                        <p:strVal val="visible"/>
-                                      </p:to>
-                                    </p:set>
-                                    <p:animEffect transition="in" filter="dissolve">
-                                      <p:cBhvr>
-                                        <p:cTn id="7" dur="500"/>
-                                        <p:tgtEl>
-                                          <p:spTgt spid="2"/>
-                                        </p:tgtEl>
-                                      </p:cBhvr>
-                                    </p:animEffect>
-                                  </p:childTnLst>
-                                </p:cTn>
-                              </p:par>
-                              <p:par>
-                                <p:cTn id="8" presetID="9" presetClass="entr" presetSubtype="0" fill="hold" grpId="0" nodeType="withEffect">
-                                  <p:stCondLst>
-                                    <p:cond delay="0"/>
-                                  </p:stCondLst>
-                                  <p:childTnLst>
-                                    <p:set>
-                                      <p:cBhvr>
-                                        <p:cTn id="9" dur="1" fill="hold">
                                           <p:stCondLst>
                                             <p:cond delay="0"/>
                                           </p:stCondLst>
@@ -11409,327 +12561,9 @@
                                         <p:strVal val="visible"/>
                                       </p:to>
                                     </p:set>
-                                    <p:animEffect transition="in" filter="dissolve">
-                                      <p:cBhvr>
-                                        <p:cTn id="10" dur="500"/>
-                                        <p:tgtEl>
-                                          <p:spTgt spid="3"/>
-                                        </p:tgtEl>
-                                      </p:cBhvr>
-                                    </p:animEffect>
-                                  </p:childTnLst>
-                                </p:cTn>
-                              </p:par>
-                              <p:par>
-                                <p:cTn id="11" presetID="9" presetClass="entr" presetSubtype="0" fill="hold" grpId="0" nodeType="withEffect" nodePh="1">
-                                  <p:stCondLst>
-                                    <p:cond delay="0"/>
-                                  </p:stCondLst>
-                                  <p:endCondLst>
-                                    <p:cond evt="begin" delay="0">
-                                      <p:tn val="11"/>
-                                    </p:cond>
-                                  </p:endCondLst>
-                                  <p:childTnLst>
-                                    <p:set>
-                                      <p:cBhvr>
-                                        <p:cTn id="12" dur="1" fill="hold">
-                                          <p:stCondLst>
-                                            <p:cond delay="0"/>
-                                          </p:stCondLst>
-                                        </p:cTn>
-                                        <p:tgtEl>
-                                          <p:spTgt spid="4"/>
-                                        </p:tgtEl>
-                                        <p:attrNameLst>
-                                          <p:attrName>style.visibility</p:attrName>
-                                        </p:attrNameLst>
-                                      </p:cBhvr>
-                                      <p:to>
-                                        <p:strVal val="visible"/>
-                                      </p:to>
-                                    </p:set>
-                                    <p:animEffect transition="in" filter="dissolve">
-                                      <p:cBhvr>
-                                        <p:cTn id="13" dur="500"/>
-                                        <p:tgtEl>
-                                          <p:spTgt spid="4"/>
-                                        </p:tgtEl>
-                                      </p:cBhvr>
-                                    </p:animEffect>
-                                  </p:childTnLst>
-                                </p:cTn>
-                              </p:par>
-                            </p:childTnLst>
-                          </p:cTn>
-                        </p:par>
-                      </p:childTnLst>
-                    </p:cTn>
-                  </p:par>
-                </p:childTnLst>
-              </p:cTn>
-              <p:prevCondLst>
-                <p:cond evt="onPrev" delay="0">
-                  <p:tgtEl>
-                    <p:sldTgt/>
-                  </p:tgtEl>
-                </p:cond>
-              </p:prevCondLst>
-              <p:nextCondLst>
-                <p:cond evt="onNext" delay="0">
-                  <p:tgtEl>
-                    <p:sldTgt/>
-                  </p:tgtEl>
-                </p:cond>
-              </p:nextCondLst>
-            </p:seq>
-          </p:childTnLst>
-        </p:cTn>
-      </p:par>
-    </p:tnLst>
-    <p:bldLst>
-      <p:bldP spid="2" grpId="0"/>
-      <p:bldP spid="3" grpId="0"/>
-      <p:bldP spid="4" grpId="0"/>
-    </p:bldLst>
-  </p:timing>
-</p:sld>
-</file>
-
-<file path=ppt/slides/slide9.xml><?xml version="1.0" encoding="utf-8"?>
-<p:sld xmlns:a="http://schemas.openxmlformats.org/drawingml/2006/main" xmlns:r="http://schemas.openxmlformats.org/officeDocument/2006/relationships" xmlns:p="http://schemas.openxmlformats.org/presentationml/2006/main">
-  <p:cSld>
-    <p:bg>
-      <p:bgPr>
-        <a:blipFill dpi="0" rotWithShape="1">
-          <a:blip r:embed="rId3">
-            <a:lum/>
-            <a:extLst>
-              <a:ext uri="{28A0092B-C50C-407E-A947-70E740481C1C}">
-                <a14:useLocalDpi xmlns:a14="http://schemas.microsoft.com/office/drawing/2010/main"/>
-              </a:ext>
-            </a:extLst>
-          </a:blip>
-          <a:stretch>
-            <a:fillRect/>
-          </a:stretch>
-        </a:blipFill>
-        <a:effectLst/>
-      </p:bgPr>
-    </p:bg>
-    <p:spTree>
-      <p:nvGrpSpPr>
-        <p:cNvPr id="1" name=""/>
-        <p:cNvGrpSpPr/>
-        <p:nvPr/>
-      </p:nvGrpSpPr>
-      <p:grpSpPr>
-        <a:xfrm>
-          <a:off x="0" y="0"/>
-          <a:ext cx="0" cy="0"/>
-          <a:chOff x="0" y="0"/>
-          <a:chExt cx="0" cy="0"/>
-        </a:xfrm>
-      </p:grpSpPr>
-      <p:sp>
-        <p:nvSpPr>
-          <p:cNvPr id="2" name="文本框 1">
-            <a:extLst>
-              <a:ext uri="{FF2B5EF4-FFF2-40B4-BE49-F238E27FC236}">
-                <a16:creationId xmlns:a16="http://schemas.microsoft.com/office/drawing/2014/main" id="{6EDE4976-455F-4A4E-8EFF-10C9C8B99481}"/>
-              </a:ext>
-            </a:extLst>
-          </p:cNvPr>
-          <p:cNvSpPr txBox="1"/>
-          <p:nvPr/>
-        </p:nvSpPr>
-        <p:spPr>
-          <a:xfrm>
-            <a:off x="2832122" y="2839242"/>
-            <a:ext cx="7299011" cy="1188720"/>
-          </a:xfrm>
-          <a:prstGeom prst="rect">
-            <a:avLst/>
-          </a:prstGeom>
-          <a:noFill/>
-        </p:spPr>
-        <p:txBody>
-          <a:bodyPr wrap="square" rtlCol="0">
-            <a:normAutofit/>
-          </a:bodyPr>
-          <a:lstStyle/>
-          <a:p>
-            <a:pPr algn="dist"/>
-            <a:r>
-              <a:rPr kumimoji="1" lang="zh-TW" altLang="zh-TW" sz="7200" b="1" dirty="0">
-                <a:solidFill>
-                  <a:schemeClr val="tx1">
-                    <a:lumMod val="75000"/>
-                    <a:lumOff val="25000"/>
-                  </a:schemeClr>
-                </a:solidFill>
-                <a:latin typeface="微軟正黑體" panose="020B0604030504040204" pitchFamily="34" charset="-120"/>
-                <a:ea typeface="微軟正黑體" panose="020B0604030504040204" pitchFamily="34" charset="-120"/>
-              </a:rPr>
-              <a:t>發現問題</a:t>
-            </a:r>
-          </a:p>
-        </p:txBody>
-      </p:sp>
-      <p:sp>
-        <p:nvSpPr>
-          <p:cNvPr id="3" name="文本框 2">
-            <a:extLst>
-              <a:ext uri="{FF2B5EF4-FFF2-40B4-BE49-F238E27FC236}">
-                <a16:creationId xmlns:a16="http://schemas.microsoft.com/office/drawing/2014/main" id="{B9ED8401-449B-1D40-8AB9-7C7E338570A7}"/>
-              </a:ext>
-            </a:extLst>
-          </p:cNvPr>
-          <p:cNvSpPr txBox="1"/>
-          <p:nvPr/>
-        </p:nvSpPr>
-        <p:spPr>
-          <a:xfrm>
-            <a:off x="5667141" y="2202740"/>
-            <a:ext cx="1399426" cy="461772"/>
-          </a:xfrm>
-          <a:prstGeom prst="rect">
-            <a:avLst/>
-          </a:prstGeom>
-          <a:noFill/>
-        </p:spPr>
-        <p:txBody>
-          <a:bodyPr wrap="none" rtlCol="0">
-            <a:normAutofit/>
-          </a:bodyPr>
-          <a:lstStyle/>
-          <a:p>
-            <a:r>
-              <a:rPr kumimoji="1" lang="zh-TW" altLang="zh-TW" sz="2400" b="1" dirty="0">
-                <a:solidFill>
-                  <a:schemeClr val="tx1">
-                    <a:lumMod val="75000"/>
-                    <a:lumOff val="25000"/>
-                  </a:schemeClr>
-                </a:solidFill>
-                <a:latin typeface="微軟正黑體" panose="020B0604030504040204" pitchFamily="34" charset="-120"/>
-                <a:ea typeface="微軟正黑體" panose="020B0604030504040204" pitchFamily="34" charset="-120"/>
-              </a:rPr>
-              <a:t>PART 03</a:t>
-            </a:r>
-            <a:endParaRPr kumimoji="1" lang="zh-CN" altLang="en-US" sz="2800" b="1" dirty="0">
-              <a:solidFill>
-                <a:schemeClr val="tx1">
-                  <a:lumMod val="75000"/>
-                  <a:lumOff val="25000"/>
-                </a:schemeClr>
-              </a:solidFill>
-              <a:latin typeface="思源宋体 CN Heavy" panose="02020900000000000000" pitchFamily="18" charset="-122"/>
-              <a:ea typeface="思源宋体 CN Heavy" panose="02020900000000000000" pitchFamily="18" charset="-122"/>
-            </a:endParaRPr>
-          </a:p>
-        </p:txBody>
-      </p:sp>
-    </p:spTree>
-    <p:extLst>
-      <p:ext uri="{BB962C8B-B14F-4D97-AF65-F5344CB8AC3E}">
-        <p14:creationId xmlns:p14="http://schemas.microsoft.com/office/powerpoint/2010/main" val="385129766"/>
-      </p:ext>
-    </p:extLst>
-  </p:cSld>
-  <p:clrMapOvr>
-    <a:masterClrMapping/>
-  </p:clrMapOvr>
-  <mc:AlternateContent xmlns:mc="http://schemas.openxmlformats.org/markup-compatibility/2006" xmlns:p14="http://schemas.microsoft.com/office/powerpoint/2010/main">
-    <mc:Choice Requires="p14">
-      <p:transition spd="slow" p14:dur="2000" advTm="3000"/>
-    </mc:Choice>
-    <mc:Fallback xmlns="" xmlns:m="http://schemas.openxmlformats.org/officeDocument/2006/math" xmlns:w="http://schemas.openxmlformats.org/wordprocessingml/2006/main" xmlns:wp="http://schemas.openxmlformats.org/drawingml/2006/wordprocessingDrawing" xmlns:a14="http://schemas.microsoft.com/office/drawing/2010/main" xmlns:p15="http://schemas.microsoft.com/office/powerpoint/2012/main" xmlns:p159="http://schemas.microsoft.com/office/powerpoint/2015/09/main">
-      <p:transition spd="slow" advTm="3000"/>
-    </mc:Fallback>
-  </mc:AlternateContent>
-  <p:timing>
-    <p:tnLst>
-      <p:par>
-        <p:cTn id="1" dur="indefinite" restart="never" nodeType="tmRoot">
-          <p:childTnLst>
-            <p:seq concurrent="1" nextAc="seek">
-              <p:cTn id="2" dur="indefinite" nodeType="mainSeq">
-                <p:childTnLst>
-                  <p:par>
-                    <p:cTn id="3" fill="hold" nodeType="clickPar">
-                      <p:stCondLst>
-                        <p:cond delay="indefinite"/>
-                      </p:stCondLst>
-                      <p:childTnLst>
-                        <p:par>
-                          <p:cTn id="4" fill="hold">
-                            <p:stCondLst>
-                              <p:cond delay="0"/>
-                            </p:stCondLst>
-                            <p:childTnLst>
-                              <p:par>
-                                <p:cTn id="5" presetID="9" presetClass="entr" presetSubtype="0" fill="hold" grpId="0" nodeType="clickEffect">
-                                  <p:stCondLst>
-                                    <p:cond delay="0"/>
-                                  </p:stCondLst>
-                                  <p:childTnLst>
-                                    <p:set>
-                                      <p:cBhvr>
-                                        <p:cTn id="6" dur="1" fill="hold">
-                                          <p:stCondLst>
-                                            <p:cond delay="0"/>
-                                          </p:stCondLst>
-                                        </p:cTn>
-                                        <p:tgtEl>
-                                          <p:spTgt spid="2"/>
-                                        </p:tgtEl>
-                                        <p:attrNameLst>
-                                          <p:attrName>style.visibility</p:attrName>
-                                        </p:attrNameLst>
-                                      </p:cBhvr>
-                                      <p:to>
-                                        <p:strVal val="visible"/>
-                                      </p:to>
-                                    </p:set>
-                                    <p:animEffect transition="in" filter="dissolve">
+                                    <p:animEffect transition="in" filter="blinds(horizontal)">
                                       <p:cBhvr>
                                         <p:cTn id="7" dur="500"/>
-                                        <p:tgtEl>
-                                          <p:spTgt spid="2"/>
-                                        </p:tgtEl>
-                                      </p:cBhvr>
-                                    </p:animEffect>
-                                  </p:childTnLst>
-                                </p:cTn>
-                              </p:par>
-                              <p:par>
-                                <p:cTn id="8" presetID="9" presetClass="entr" presetSubtype="0" fill="hold" grpId="0" nodeType="withEffect">
-                                  <p:stCondLst>
-                                    <p:cond delay="0"/>
-                                  </p:stCondLst>
-                                  <p:childTnLst>
-                                    <p:set>
-                                      <p:cBhvr>
-                                        <p:cTn id="9" dur="1" fill="hold">
-                                          <p:stCondLst>
-                                            <p:cond delay="0"/>
-                                          </p:stCondLst>
-                                        </p:cTn>
-                                        <p:tgtEl>
-                                          <p:spTgt spid="3"/>
-                                        </p:tgtEl>
-                                        <p:attrNameLst>
-                                          <p:attrName>style.visibility</p:attrName>
-                                        </p:attrNameLst>
-                                      </p:cBhvr>
-                                      <p:to>
-                                        <p:strVal val="visible"/>
-                                      </p:to>
-                                    </p:set>
-                                    <p:animEffect transition="in" filter="dissolve">
-                                      <p:cBhvr>
-                                        <p:cTn id="10" dur="500"/>
                                         <p:tgtEl>
                                           <p:spTgt spid="3"/>
                                         </p:tgtEl>
@@ -11766,8 +12600,639 @@
       </p:par>
     </p:tnLst>
     <p:bldLst>
-      <p:bldP spid="2" grpId="0"/>
       <p:bldP spid="3" grpId="0"/>
+    </p:bldLst>
+  </p:timing>
+</p:sld>
+</file>
+
+<file path=ppt/slides/slide9.xml><?xml version="1.0" encoding="utf-8"?>
+<p:sld xmlns:a="http://schemas.openxmlformats.org/drawingml/2006/main" xmlns:r="http://schemas.openxmlformats.org/officeDocument/2006/relationships" xmlns:p="http://schemas.openxmlformats.org/presentationml/2006/main">
+  <p:cSld>
+    <p:spTree>
+      <p:nvGrpSpPr>
+        <p:cNvPr id="1" name=""/>
+        <p:cNvGrpSpPr/>
+        <p:nvPr/>
+      </p:nvGrpSpPr>
+      <p:grpSpPr>
+        <a:xfrm>
+          <a:off x="0" y="0"/>
+          <a:ext cx="0" cy="0"/>
+          <a:chOff x="0" y="0"/>
+          <a:chExt cx="0" cy="0"/>
+        </a:xfrm>
+      </p:grpSpPr>
+      <p:sp>
+        <p:nvSpPr>
+          <p:cNvPr id="3" name="文本框 2">
+            <a:extLst>
+              <a:ext uri="{FF2B5EF4-FFF2-40B4-BE49-F238E27FC236}">
+                <a16:creationId xmlns:a16="http://schemas.microsoft.com/office/drawing/2014/main" id="{9C76BD19-D3B2-AC43-81DB-EA966E64B057}"/>
+              </a:ext>
+            </a:extLst>
+          </p:cNvPr>
+          <p:cNvSpPr txBox="1"/>
+          <p:nvPr/>
+        </p:nvSpPr>
+        <p:spPr>
+          <a:xfrm>
+            <a:off x="804791" y="1143538"/>
+            <a:ext cx="6577063" cy="806532"/>
+          </a:xfrm>
+          <a:prstGeom prst="rect">
+            <a:avLst/>
+          </a:prstGeom>
+          <a:noFill/>
+        </p:spPr>
+        <p:txBody>
+          <a:bodyPr wrap="square" rtlCol="0">
+            <a:normAutofit fontScale="47500" lnSpcReduction="20000"/>
+          </a:bodyPr>
+          <a:lstStyle/>
+          <a:p>
+            <a:pPr>
+              <a:lnSpc>
+                <a:spcPct val="104000"/>
+              </a:lnSpc>
+            </a:pPr>
+            <a:r>
+              <a:rPr lang="zh-TW" altLang="en-US" sz="5900" dirty="0">
+                <a:solidFill>
+                  <a:schemeClr val="tx1">
+                    <a:lumMod val="65000"/>
+                    <a:lumOff val="35000"/>
+                  </a:schemeClr>
+                </a:solidFill>
+                <a:latin typeface="微軟正黑體" panose="020B0604030504040204" pitchFamily="34" charset="-120"/>
+                <a:ea typeface="微軟正黑體" panose="020B0604030504040204" pitchFamily="34" charset="-120"/>
+              </a:rPr>
+              <a:t>● 更簡潔的代碼，更易於維護</a:t>
+            </a:r>
+            <a:endParaRPr lang="en-US" altLang="zh-TW" sz="5900" dirty="0">
+              <a:solidFill>
+                <a:schemeClr val="tx1">
+                  <a:lumMod val="65000"/>
+                  <a:lumOff val="35000"/>
+                </a:schemeClr>
+              </a:solidFill>
+              <a:latin typeface="微軟正黑體" panose="020B0604030504040204" pitchFamily="34" charset="-120"/>
+              <a:ea typeface="微軟正黑體" panose="020B0604030504040204" pitchFamily="34" charset="-120"/>
+            </a:endParaRPr>
+          </a:p>
+          <a:p>
+            <a:pPr>
+              <a:lnSpc>
+                <a:spcPct val="104000"/>
+              </a:lnSpc>
+            </a:pPr>
+            <a:endParaRPr lang="en-US" altLang="zh-TW" sz="2800" dirty="0">
+              <a:solidFill>
+                <a:schemeClr val="tx1">
+                  <a:lumMod val="65000"/>
+                  <a:lumOff val="35000"/>
+                </a:schemeClr>
+              </a:solidFill>
+              <a:latin typeface="微軟正黑體" panose="020B0604030504040204" pitchFamily="34" charset="-120"/>
+              <a:ea typeface="微軟正黑體" panose="020B0604030504040204" pitchFamily="34" charset="-120"/>
+            </a:endParaRPr>
+          </a:p>
+          <a:p>
+            <a:pPr>
+              <a:lnSpc>
+                <a:spcPct val="104000"/>
+              </a:lnSpc>
+            </a:pPr>
+            <a:r>
+              <a:rPr lang="en-US" altLang="zh-TW" sz="2800" dirty="0">
+                <a:solidFill>
+                  <a:schemeClr val="tx1">
+                    <a:lumMod val="65000"/>
+                    <a:lumOff val="35000"/>
+                  </a:schemeClr>
+                </a:solidFill>
+                <a:latin typeface="微軟正黑體" panose="020B0604030504040204" pitchFamily="34" charset="-120"/>
+                <a:ea typeface="微軟正黑體" panose="020B0604030504040204" pitchFamily="34" charset="-120"/>
+              </a:rPr>
+              <a:t>	</a:t>
+            </a:r>
+          </a:p>
+        </p:txBody>
+      </p:sp>
+      <p:sp>
+        <p:nvSpPr>
+          <p:cNvPr id="26" name="文本框 25">
+            <a:extLst>
+              <a:ext uri="{FF2B5EF4-FFF2-40B4-BE49-F238E27FC236}">
+                <a16:creationId xmlns:a16="http://schemas.microsoft.com/office/drawing/2014/main" id="{538F618A-4C6F-1F4F-82A2-D027BFED479A}"/>
+              </a:ext>
+            </a:extLst>
+          </p:cNvPr>
+          <p:cNvSpPr txBox="1"/>
+          <p:nvPr/>
+        </p:nvSpPr>
+        <p:spPr>
+          <a:xfrm>
+            <a:off x="804791" y="79203"/>
+            <a:ext cx="2642990" cy="518160"/>
+          </a:xfrm>
+          <a:prstGeom prst="rect">
+            <a:avLst/>
+          </a:prstGeom>
+          <a:noFill/>
+        </p:spPr>
+        <p:txBody>
+          <a:bodyPr wrap="square" rtlCol="0">
+            <a:normAutofit/>
+          </a:bodyPr>
+          <a:lstStyle/>
+          <a:p>
+            <a:pPr algn="dist"/>
+            <a:r>
+              <a:rPr kumimoji="1" lang="zh-TW" altLang="en-US" sz="2800" b="1" dirty="0">
+                <a:solidFill>
+                  <a:schemeClr val="tx1">
+                    <a:lumMod val="75000"/>
+                    <a:lumOff val="25000"/>
+                  </a:schemeClr>
+                </a:solidFill>
+                <a:latin typeface="微軟正黑體" panose="020B0604030504040204" pitchFamily="34" charset="-120"/>
+                <a:ea typeface="微軟正黑體" panose="020B0604030504040204" pitchFamily="34" charset="-120"/>
+              </a:rPr>
+              <a:t>使用工具</a:t>
+            </a:r>
+            <a:endParaRPr kumimoji="1" lang="zh-TW" altLang="zh-TW" sz="2800" b="1" dirty="0">
+              <a:solidFill>
+                <a:schemeClr val="tx1">
+                  <a:lumMod val="75000"/>
+                  <a:lumOff val="25000"/>
+                </a:schemeClr>
+              </a:solidFill>
+              <a:latin typeface="微軟正黑體" panose="020B0604030504040204" pitchFamily="34" charset="-120"/>
+              <a:ea typeface="微軟正黑體" panose="020B0604030504040204" pitchFamily="34" charset="-120"/>
+            </a:endParaRPr>
+          </a:p>
+        </p:txBody>
+      </p:sp>
+      <p:pic>
+        <p:nvPicPr>
+          <p:cNvPr id="2" name="圖片 1">
+            <a:extLst>
+              <a:ext uri="{FF2B5EF4-FFF2-40B4-BE49-F238E27FC236}">
+                <a16:creationId xmlns:a16="http://schemas.microsoft.com/office/drawing/2014/main" id="{462F7D65-A7D2-4209-9C24-F6D0567FEF68}"/>
+              </a:ext>
+            </a:extLst>
+          </p:cNvPr>
+          <p:cNvPicPr>
+            <a:picLocks noChangeAspect="1"/>
+          </p:cNvPicPr>
+          <p:nvPr/>
+        </p:nvPicPr>
+        <p:blipFill>
+          <a:blip r:embed="rId3"/>
+          <a:stretch>
+            <a:fillRect/>
+          </a:stretch>
+        </p:blipFill>
+        <p:spPr>
+          <a:xfrm>
+            <a:off x="917813" y="2606492"/>
+            <a:ext cx="4620270" cy="2757814"/>
+          </a:xfrm>
+          <a:prstGeom prst="rect">
+            <a:avLst/>
+          </a:prstGeom>
+        </p:spPr>
+      </p:pic>
+      <p:pic>
+        <p:nvPicPr>
+          <p:cNvPr id="4" name="圖片 3">
+            <a:extLst>
+              <a:ext uri="{FF2B5EF4-FFF2-40B4-BE49-F238E27FC236}">
+                <a16:creationId xmlns:a16="http://schemas.microsoft.com/office/drawing/2014/main" id="{41620B5A-109A-4892-9E24-887DE2B8BE1E}"/>
+              </a:ext>
+            </a:extLst>
+          </p:cNvPr>
+          <p:cNvPicPr>
+            <a:picLocks noChangeAspect="1"/>
+          </p:cNvPicPr>
+          <p:nvPr/>
+        </p:nvPicPr>
+        <p:blipFill>
+          <a:blip r:embed="rId4"/>
+          <a:stretch>
+            <a:fillRect/>
+          </a:stretch>
+        </p:blipFill>
+        <p:spPr>
+          <a:xfrm>
+            <a:off x="5668215" y="2606492"/>
+            <a:ext cx="5605971" cy="2757814"/>
+          </a:xfrm>
+          <a:prstGeom prst="rect">
+            <a:avLst/>
+          </a:prstGeom>
+        </p:spPr>
+      </p:pic>
+      <p:sp>
+        <p:nvSpPr>
+          <p:cNvPr id="6" name="橢圓 5">
+            <a:extLst>
+              <a:ext uri="{FF2B5EF4-FFF2-40B4-BE49-F238E27FC236}">
+                <a16:creationId xmlns:a16="http://schemas.microsoft.com/office/drawing/2014/main" id="{5DA6766D-FA5D-41BC-BE93-CD5855C20CC0}"/>
+              </a:ext>
+            </a:extLst>
+          </p:cNvPr>
+          <p:cNvSpPr/>
+          <p:nvPr/>
+        </p:nvSpPr>
+        <p:spPr>
+          <a:xfrm>
+            <a:off x="917813" y="3556415"/>
+            <a:ext cx="3414871" cy="1351145"/>
+          </a:xfrm>
+          <a:prstGeom prst="ellipse">
+            <a:avLst/>
+          </a:prstGeom>
+          <a:noFill/>
+          <a:ln>
+            <a:solidFill>
+              <a:srgbClr val="FF0000"/>
+            </a:solidFill>
+          </a:ln>
+        </p:spPr>
+        <p:style>
+          <a:lnRef idx="2">
+            <a:schemeClr val="accent1">
+              <a:shade val="50000"/>
+            </a:schemeClr>
+          </a:lnRef>
+          <a:fillRef idx="1">
+            <a:schemeClr val="accent1"/>
+          </a:fillRef>
+          <a:effectRef idx="0">
+            <a:schemeClr val="accent1"/>
+          </a:effectRef>
+          <a:fontRef idx="minor">
+            <a:schemeClr val="lt1"/>
+          </a:fontRef>
+        </p:style>
+        <p:txBody>
+          <a:bodyPr rtlCol="0" anchor="ctr"/>
+          <a:lstStyle/>
+          <a:p>
+            <a:pPr algn="ctr"/>
+            <a:endParaRPr lang="zh-TW" altLang="en-US"/>
+          </a:p>
+        </p:txBody>
+      </p:sp>
+      <p:sp>
+        <p:nvSpPr>
+          <p:cNvPr id="8" name="橢圓 7">
+            <a:extLst>
+              <a:ext uri="{FF2B5EF4-FFF2-40B4-BE49-F238E27FC236}">
+                <a16:creationId xmlns:a16="http://schemas.microsoft.com/office/drawing/2014/main" id="{74D6428D-9AA6-4364-B6D7-6C71BE2C9E18}"/>
+              </a:ext>
+            </a:extLst>
+          </p:cNvPr>
+          <p:cNvSpPr/>
+          <p:nvPr/>
+        </p:nvSpPr>
+        <p:spPr>
+          <a:xfrm>
+            <a:off x="6167303" y="4342803"/>
+            <a:ext cx="1777071" cy="396978"/>
+          </a:xfrm>
+          <a:prstGeom prst="ellipse">
+            <a:avLst/>
+          </a:prstGeom>
+          <a:noFill/>
+          <a:ln>
+            <a:solidFill>
+              <a:srgbClr val="FF0000"/>
+            </a:solidFill>
+          </a:ln>
+        </p:spPr>
+        <p:style>
+          <a:lnRef idx="2">
+            <a:schemeClr val="accent1">
+              <a:shade val="50000"/>
+            </a:schemeClr>
+          </a:lnRef>
+          <a:fillRef idx="1">
+            <a:schemeClr val="accent1"/>
+          </a:fillRef>
+          <a:effectRef idx="0">
+            <a:schemeClr val="accent1"/>
+          </a:effectRef>
+          <a:fontRef idx="minor">
+            <a:schemeClr val="lt1"/>
+          </a:fontRef>
+        </p:style>
+        <p:txBody>
+          <a:bodyPr rtlCol="0" anchor="ctr"/>
+          <a:lstStyle/>
+          <a:p>
+            <a:pPr algn="ctr"/>
+            <a:endParaRPr lang="zh-TW" altLang="en-US"/>
+          </a:p>
+        </p:txBody>
+      </p:sp>
+      <p:sp>
+        <p:nvSpPr>
+          <p:cNvPr id="11" name="橢圓 10">
+            <a:extLst>
+              <a:ext uri="{FF2B5EF4-FFF2-40B4-BE49-F238E27FC236}">
+                <a16:creationId xmlns:a16="http://schemas.microsoft.com/office/drawing/2014/main" id="{4582FCC7-A949-49F7-9962-7ABA67FB68B8}"/>
+              </a:ext>
+            </a:extLst>
+          </p:cNvPr>
+          <p:cNvSpPr/>
+          <p:nvPr/>
+        </p:nvSpPr>
+        <p:spPr>
+          <a:xfrm>
+            <a:off x="6986657" y="2698942"/>
+            <a:ext cx="1400963" cy="396978"/>
+          </a:xfrm>
+          <a:prstGeom prst="ellipse">
+            <a:avLst/>
+          </a:prstGeom>
+          <a:noFill/>
+          <a:ln>
+            <a:solidFill>
+              <a:srgbClr val="FF0000"/>
+            </a:solidFill>
+          </a:ln>
+        </p:spPr>
+        <p:style>
+          <a:lnRef idx="2">
+            <a:schemeClr val="accent1">
+              <a:shade val="50000"/>
+            </a:schemeClr>
+          </a:lnRef>
+          <a:fillRef idx="1">
+            <a:schemeClr val="accent1"/>
+          </a:fillRef>
+          <a:effectRef idx="0">
+            <a:schemeClr val="accent1"/>
+          </a:effectRef>
+          <a:fontRef idx="minor">
+            <a:schemeClr val="lt1"/>
+          </a:fontRef>
+        </p:style>
+        <p:txBody>
+          <a:bodyPr rtlCol="0" anchor="ctr"/>
+          <a:lstStyle/>
+          <a:p>
+            <a:pPr algn="ctr"/>
+            <a:endParaRPr lang="zh-TW" altLang="en-US"/>
+          </a:p>
+        </p:txBody>
+      </p:sp>
+    </p:spTree>
+    <p:extLst>
+      <p:ext uri="{BB962C8B-B14F-4D97-AF65-F5344CB8AC3E}">
+        <p14:creationId xmlns:p14="http://schemas.microsoft.com/office/powerpoint/2010/main" val="458202817"/>
+      </p:ext>
+    </p:extLst>
+  </p:cSld>
+  <p:clrMapOvr>
+    <a:masterClrMapping/>
+  </p:clrMapOvr>
+  <mc:AlternateContent xmlns:mc="http://schemas.openxmlformats.org/markup-compatibility/2006" xmlns:p14="http://schemas.microsoft.com/office/powerpoint/2010/main">
+    <mc:Choice Requires="p14">
+      <p:transition spd="slow" p14:dur="2000" advTm="3000"/>
+    </mc:Choice>
+    <mc:Fallback xmlns:p159="http://schemas.microsoft.com/office/powerpoint/2015/09/main" xmlns:p15="http://schemas.microsoft.com/office/powerpoint/2012/main" xmlns:a14="http://schemas.microsoft.com/office/drawing/2010/main" xmlns:wp="http://schemas.openxmlformats.org/drawingml/2006/wordprocessingDrawing" xmlns:w="http://schemas.openxmlformats.org/wordprocessingml/2006/main" xmlns:m="http://schemas.openxmlformats.org/officeDocument/2006/math" xmlns="">
+      <p:transition spd="slow" advTm="3000"/>
+    </mc:Fallback>
+  </mc:AlternateContent>
+  <p:timing>
+    <p:tnLst>
+      <p:par>
+        <p:cTn id="1" dur="indefinite" restart="never" nodeType="tmRoot">
+          <p:childTnLst>
+            <p:seq concurrent="1" nextAc="seek">
+              <p:cTn id="2" dur="indefinite" nodeType="mainSeq">
+                <p:childTnLst>
+                  <p:par>
+                    <p:cTn id="3" fill="hold" nodeType="clickPar">
+                      <p:stCondLst>
+                        <p:cond delay="indefinite"/>
+                        <p:cond evt="onBegin" delay="0">
+                          <p:tn val="2"/>
+                        </p:cond>
+                      </p:stCondLst>
+                      <p:childTnLst>
+                        <p:par>
+                          <p:cTn id="4" fill="hold">
+                            <p:stCondLst>
+                              <p:cond delay="0"/>
+                            </p:stCondLst>
+                            <p:childTnLst>
+                              <p:par>
+                                <p:cTn id="5" presetID="3" presetClass="entr" presetSubtype="10" fill="hold" grpId="0" nodeType="withEffect">
+                                  <p:stCondLst>
+                                    <p:cond delay="0"/>
+                                  </p:stCondLst>
+                                  <p:childTnLst>
+                                    <p:set>
+                                      <p:cBhvr>
+                                        <p:cTn id="6" dur="1" fill="hold">
+                                          <p:stCondLst>
+                                            <p:cond delay="0"/>
+                                          </p:stCondLst>
+                                        </p:cTn>
+                                        <p:tgtEl>
+                                          <p:spTgt spid="3"/>
+                                        </p:tgtEl>
+                                        <p:attrNameLst>
+                                          <p:attrName>style.visibility</p:attrName>
+                                        </p:attrNameLst>
+                                      </p:cBhvr>
+                                      <p:to>
+                                        <p:strVal val="visible"/>
+                                      </p:to>
+                                    </p:set>
+                                    <p:animEffect transition="in" filter="blinds(horizontal)">
+                                      <p:cBhvr>
+                                        <p:cTn id="7" dur="500"/>
+                                        <p:tgtEl>
+                                          <p:spTgt spid="3"/>
+                                        </p:tgtEl>
+                                      </p:cBhvr>
+                                    </p:animEffect>
+                                  </p:childTnLst>
+                                </p:cTn>
+                              </p:par>
+                            </p:childTnLst>
+                          </p:cTn>
+                        </p:par>
+                      </p:childTnLst>
+                    </p:cTn>
+                  </p:par>
+                  <p:par>
+                    <p:cTn id="8" fill="hold">
+                      <p:stCondLst>
+                        <p:cond delay="indefinite"/>
+                      </p:stCondLst>
+                      <p:childTnLst>
+                        <p:par>
+                          <p:cTn id="9" fill="hold">
+                            <p:stCondLst>
+                              <p:cond delay="0"/>
+                            </p:stCondLst>
+                            <p:childTnLst>
+                              <p:par>
+                                <p:cTn id="10" presetID="1" presetClass="entr" presetSubtype="0" fill="hold" grpId="0" nodeType="clickEffect">
+                                  <p:stCondLst>
+                                    <p:cond delay="0"/>
+                                  </p:stCondLst>
+                                  <p:childTnLst>
+                                    <p:set>
+                                      <p:cBhvr>
+                                        <p:cTn id="11" dur="1" fill="hold">
+                                          <p:stCondLst>
+                                            <p:cond delay="0"/>
+                                          </p:stCondLst>
+                                        </p:cTn>
+                                        <p:tgtEl>
+                                          <p:spTgt spid="6"/>
+                                        </p:tgtEl>
+                                        <p:attrNameLst>
+                                          <p:attrName>style.visibility</p:attrName>
+                                        </p:attrNameLst>
+                                      </p:cBhvr>
+                                      <p:to>
+                                        <p:strVal val="visible"/>
+                                      </p:to>
+                                    </p:set>
+                                  </p:childTnLst>
+                                </p:cTn>
+                              </p:par>
+                            </p:childTnLst>
+                          </p:cTn>
+                        </p:par>
+                      </p:childTnLst>
+                    </p:cTn>
+                  </p:par>
+                  <p:par>
+                    <p:cTn id="12" fill="hold">
+                      <p:stCondLst>
+                        <p:cond delay="indefinite"/>
+                      </p:stCondLst>
+                      <p:childTnLst>
+                        <p:par>
+                          <p:cTn id="13" fill="hold">
+                            <p:stCondLst>
+                              <p:cond delay="0"/>
+                            </p:stCondLst>
+                            <p:childTnLst>
+                              <p:par>
+                                <p:cTn id="14" presetID="1" presetClass="entr" presetSubtype="0" fill="hold" grpId="0" nodeType="clickEffect">
+                                  <p:stCondLst>
+                                    <p:cond delay="0"/>
+                                  </p:stCondLst>
+                                  <p:childTnLst>
+                                    <p:set>
+                                      <p:cBhvr>
+                                        <p:cTn id="15" dur="1" fill="hold">
+                                          <p:stCondLst>
+                                            <p:cond delay="0"/>
+                                          </p:stCondLst>
+                                        </p:cTn>
+                                        <p:tgtEl>
+                                          <p:spTgt spid="8"/>
+                                        </p:tgtEl>
+                                        <p:attrNameLst>
+                                          <p:attrName>style.visibility</p:attrName>
+                                        </p:attrNameLst>
+                                      </p:cBhvr>
+                                      <p:to>
+                                        <p:strVal val="visible"/>
+                                      </p:to>
+                                    </p:set>
+                                  </p:childTnLst>
+                                </p:cTn>
+                              </p:par>
+                            </p:childTnLst>
+                          </p:cTn>
+                        </p:par>
+                      </p:childTnLst>
+                    </p:cTn>
+                  </p:par>
+                  <p:par>
+                    <p:cTn id="16" fill="hold">
+                      <p:stCondLst>
+                        <p:cond delay="indefinite"/>
+                      </p:stCondLst>
+                      <p:childTnLst>
+                        <p:par>
+                          <p:cTn id="17" fill="hold">
+                            <p:stCondLst>
+                              <p:cond delay="0"/>
+                            </p:stCondLst>
+                            <p:childTnLst>
+                              <p:par>
+                                <p:cTn id="18" presetID="1" presetClass="entr" presetSubtype="0" fill="hold" grpId="0" nodeType="clickEffect">
+                                  <p:stCondLst>
+                                    <p:cond delay="0"/>
+                                  </p:stCondLst>
+                                  <p:childTnLst>
+                                    <p:set>
+                                      <p:cBhvr>
+                                        <p:cTn id="19" dur="1" fill="hold">
+                                          <p:stCondLst>
+                                            <p:cond delay="0"/>
+                                          </p:stCondLst>
+                                        </p:cTn>
+                                        <p:tgtEl>
+                                          <p:spTgt spid="11"/>
+                                        </p:tgtEl>
+                                        <p:attrNameLst>
+                                          <p:attrName>style.visibility</p:attrName>
+                                        </p:attrNameLst>
+                                      </p:cBhvr>
+                                      <p:to>
+                                        <p:strVal val="visible"/>
+                                      </p:to>
+                                    </p:set>
+                                  </p:childTnLst>
+                                </p:cTn>
+                              </p:par>
+                            </p:childTnLst>
+                          </p:cTn>
+                        </p:par>
+                      </p:childTnLst>
+                    </p:cTn>
+                  </p:par>
+                </p:childTnLst>
+              </p:cTn>
+              <p:prevCondLst>
+                <p:cond evt="onPrev" delay="0">
+                  <p:tgtEl>
+                    <p:sldTgt/>
+                  </p:tgtEl>
+                </p:cond>
+              </p:prevCondLst>
+              <p:nextCondLst>
+                <p:cond evt="onNext" delay="0">
+                  <p:tgtEl>
+                    <p:sldTgt/>
+                  </p:tgtEl>
+                </p:cond>
+              </p:nextCondLst>
+            </p:seq>
+          </p:childTnLst>
+        </p:cTn>
+      </p:par>
+    </p:tnLst>
+    <p:bldLst>
+      <p:bldP spid="3" grpId="0"/>
+      <p:bldP spid="6" grpId="0" animBg="1"/>
+      <p:bldP spid="8" grpId="0" animBg="1"/>
+      <p:bldP spid="11" grpId="0" animBg="1"/>
     </p:bldLst>
   </p:timing>
 </p:sld>
